--- a/Documentation/MScResearchProjectPresentation_SeánÓFithcheallaigh_B00830189.pptx
+++ b/Documentation/MScResearchProjectPresentation_SeánÓFithcheallaigh_B00830189.pptx
@@ -4,6 +4,9 @@
   <p:sldMasterIdLst>
     <p:sldMasterId id="2147483648" r:id="rId1"/>
   </p:sldMasterIdLst>
+  <p:notesMasterIdLst>
+    <p:notesMasterId r:id="rId17"/>
+  </p:notesMasterIdLst>
   <p:sldIdLst>
     <p:sldId id="256" r:id="rId2"/>
     <p:sldId id="257" r:id="rId3"/>
@@ -859,6 +862,1414 @@
 </pc:chgInfo>
 </file>
 
+<file path=ppt/notesMasters/notesMaster1.xml><?xml version="1.0" encoding="utf-8"?>
+<p:notesMaster xmlns:a="http://schemas.openxmlformats.org/drawingml/2006/main" xmlns:r="http://schemas.openxmlformats.org/officeDocument/2006/relationships" xmlns:p="http://schemas.openxmlformats.org/presentationml/2006/main">
+  <p:cSld>
+    <p:bg>
+      <p:bgRef idx="1001">
+        <a:schemeClr val="bg1"/>
+      </p:bgRef>
+    </p:bg>
+    <p:spTree>
+      <p:nvGrpSpPr>
+        <p:cNvPr id="1" name=""/>
+        <p:cNvGrpSpPr/>
+        <p:nvPr/>
+      </p:nvGrpSpPr>
+      <p:grpSpPr>
+        <a:xfrm>
+          <a:off x="0" y="0"/>
+          <a:ext cx="0" cy="0"/>
+          <a:chOff x="0" y="0"/>
+          <a:chExt cx="0" cy="0"/>
+        </a:xfrm>
+      </p:grpSpPr>
+      <p:sp>
+        <p:nvSpPr>
+          <p:cNvPr id="2" name="Header Placeholder 1"/>
+          <p:cNvSpPr>
+            <a:spLocks noGrp="1"/>
+          </p:cNvSpPr>
+          <p:nvPr>
+            <p:ph type="hdr" sz="quarter"/>
+          </p:nvPr>
+        </p:nvSpPr>
+        <p:spPr>
+          <a:xfrm>
+            <a:off x="0" y="0"/>
+            <a:ext cx="2971800" cy="458788"/>
+          </a:xfrm>
+          <a:prstGeom prst="rect">
+            <a:avLst/>
+          </a:prstGeom>
+        </p:spPr>
+        <p:txBody>
+          <a:bodyPr vert="horz" lIns="91440" tIns="45720" rIns="91440" bIns="45720" rtlCol="0"/>
+          <a:lstStyle>
+            <a:lvl1pPr algn="l">
+              <a:defRPr sz="1200"/>
+            </a:lvl1pPr>
+          </a:lstStyle>
+          <a:p>
+            <a:endParaRPr lang="en-GB"/>
+          </a:p>
+        </p:txBody>
+      </p:sp>
+      <p:sp>
+        <p:nvSpPr>
+          <p:cNvPr id="3" name="Date Placeholder 2"/>
+          <p:cNvSpPr>
+            <a:spLocks noGrp="1"/>
+          </p:cNvSpPr>
+          <p:nvPr>
+            <p:ph type="dt" idx="1"/>
+          </p:nvPr>
+        </p:nvSpPr>
+        <p:spPr>
+          <a:xfrm>
+            <a:off x="3884613" y="0"/>
+            <a:ext cx="2971800" cy="458788"/>
+          </a:xfrm>
+          <a:prstGeom prst="rect">
+            <a:avLst/>
+          </a:prstGeom>
+        </p:spPr>
+        <p:txBody>
+          <a:bodyPr vert="horz" lIns="91440" tIns="45720" rIns="91440" bIns="45720" rtlCol="0"/>
+          <a:lstStyle>
+            <a:lvl1pPr algn="r">
+              <a:defRPr sz="1200"/>
+            </a:lvl1pPr>
+          </a:lstStyle>
+          <a:p>
+            <a:fld id="{A8417EDE-5002-433A-8CAD-066E842F3F10}" type="datetimeFigureOut">
+              <a:rPr lang="en-GB" smtClean="0"/>
+              <a:t>20/05/2023</a:t>
+            </a:fld>
+            <a:endParaRPr lang="en-GB"/>
+          </a:p>
+        </p:txBody>
+      </p:sp>
+      <p:sp>
+        <p:nvSpPr>
+          <p:cNvPr id="4" name="Slide Image Placeholder 3"/>
+          <p:cNvSpPr>
+            <a:spLocks noGrp="1" noRot="1" noChangeAspect="1"/>
+          </p:cNvSpPr>
+          <p:nvPr>
+            <p:ph type="sldImg" idx="2"/>
+          </p:nvPr>
+        </p:nvSpPr>
+        <p:spPr>
+          <a:xfrm>
+            <a:off x="685800" y="1143000"/>
+            <a:ext cx="5486400" cy="3086100"/>
+          </a:xfrm>
+          <a:prstGeom prst="rect">
+            <a:avLst/>
+          </a:prstGeom>
+          <a:noFill/>
+          <a:ln w="12700">
+            <a:solidFill>
+              <a:prstClr val="black"/>
+            </a:solidFill>
+          </a:ln>
+        </p:spPr>
+        <p:txBody>
+          <a:bodyPr vert="horz" lIns="91440" tIns="45720" rIns="91440" bIns="45720" rtlCol="0" anchor="ctr"/>
+          <a:lstStyle/>
+          <a:p>
+            <a:endParaRPr lang="en-GB"/>
+          </a:p>
+        </p:txBody>
+      </p:sp>
+      <p:sp>
+        <p:nvSpPr>
+          <p:cNvPr id="5" name="Notes Placeholder 4"/>
+          <p:cNvSpPr>
+            <a:spLocks noGrp="1"/>
+          </p:cNvSpPr>
+          <p:nvPr>
+            <p:ph type="body" sz="quarter" idx="3"/>
+          </p:nvPr>
+        </p:nvSpPr>
+        <p:spPr>
+          <a:xfrm>
+            <a:off x="685800" y="4400550"/>
+            <a:ext cx="5486400" cy="3600450"/>
+          </a:xfrm>
+          <a:prstGeom prst="rect">
+            <a:avLst/>
+          </a:prstGeom>
+        </p:spPr>
+        <p:txBody>
+          <a:bodyPr vert="horz" lIns="91440" tIns="45720" rIns="91440" bIns="45720" rtlCol="0"/>
+          <a:lstStyle/>
+          <a:p>
+            <a:pPr lvl="0"/>
+            <a:r>
+              <a:rPr lang="en-US"/>
+              <a:t>Click to edit Master text styles</a:t>
+            </a:r>
+          </a:p>
+          <a:p>
+            <a:pPr lvl="1"/>
+            <a:r>
+              <a:rPr lang="en-US"/>
+              <a:t>Second level</a:t>
+            </a:r>
+          </a:p>
+          <a:p>
+            <a:pPr lvl="2"/>
+            <a:r>
+              <a:rPr lang="en-US"/>
+              <a:t>Third level</a:t>
+            </a:r>
+          </a:p>
+          <a:p>
+            <a:pPr lvl="3"/>
+            <a:r>
+              <a:rPr lang="en-US"/>
+              <a:t>Fourth level</a:t>
+            </a:r>
+          </a:p>
+          <a:p>
+            <a:pPr lvl="4"/>
+            <a:r>
+              <a:rPr lang="en-US"/>
+              <a:t>Fifth level</a:t>
+            </a:r>
+            <a:endParaRPr lang="en-GB"/>
+          </a:p>
+        </p:txBody>
+      </p:sp>
+      <p:sp>
+        <p:nvSpPr>
+          <p:cNvPr id="6" name="Footer Placeholder 5"/>
+          <p:cNvSpPr>
+            <a:spLocks noGrp="1"/>
+          </p:cNvSpPr>
+          <p:nvPr>
+            <p:ph type="ftr" sz="quarter" idx="4"/>
+          </p:nvPr>
+        </p:nvSpPr>
+        <p:spPr>
+          <a:xfrm>
+            <a:off x="0" y="8685213"/>
+            <a:ext cx="2971800" cy="458787"/>
+          </a:xfrm>
+          <a:prstGeom prst="rect">
+            <a:avLst/>
+          </a:prstGeom>
+        </p:spPr>
+        <p:txBody>
+          <a:bodyPr vert="horz" lIns="91440" tIns="45720" rIns="91440" bIns="45720" rtlCol="0" anchor="b"/>
+          <a:lstStyle>
+            <a:lvl1pPr algn="l">
+              <a:defRPr sz="1200"/>
+            </a:lvl1pPr>
+          </a:lstStyle>
+          <a:p>
+            <a:endParaRPr lang="en-GB"/>
+          </a:p>
+        </p:txBody>
+      </p:sp>
+      <p:sp>
+        <p:nvSpPr>
+          <p:cNvPr id="7" name="Slide Number Placeholder 6"/>
+          <p:cNvSpPr>
+            <a:spLocks noGrp="1"/>
+          </p:cNvSpPr>
+          <p:nvPr>
+            <p:ph type="sldNum" sz="quarter" idx="5"/>
+          </p:nvPr>
+        </p:nvSpPr>
+        <p:spPr>
+          <a:xfrm>
+            <a:off x="3884613" y="8685213"/>
+            <a:ext cx="2971800" cy="458787"/>
+          </a:xfrm>
+          <a:prstGeom prst="rect">
+            <a:avLst/>
+          </a:prstGeom>
+        </p:spPr>
+        <p:txBody>
+          <a:bodyPr vert="horz" lIns="91440" tIns="45720" rIns="91440" bIns="45720" rtlCol="0" anchor="b"/>
+          <a:lstStyle>
+            <a:lvl1pPr algn="r">
+              <a:defRPr sz="1200"/>
+            </a:lvl1pPr>
+          </a:lstStyle>
+          <a:p>
+            <a:fld id="{A291FEE6-3CE6-48D3-A539-66492A8C3EBF}" type="slidenum">
+              <a:rPr lang="en-GB" smtClean="0"/>
+              <a:t>‹#›</a:t>
+            </a:fld>
+            <a:endParaRPr lang="en-GB"/>
+          </a:p>
+        </p:txBody>
+      </p:sp>
+    </p:spTree>
+    <p:extLst>
+      <p:ext uri="{BB962C8B-B14F-4D97-AF65-F5344CB8AC3E}">
+        <p14:creationId xmlns:p14="http://schemas.microsoft.com/office/powerpoint/2010/main" val="1965199837"/>
+      </p:ext>
+    </p:extLst>
+  </p:cSld>
+  <p:clrMap bg1="lt1" tx1="dk1" bg2="lt2" tx2="dk2" accent1="accent1" accent2="accent2" accent3="accent3" accent4="accent4" accent5="accent5" accent6="accent6" hlink="hlink" folHlink="folHlink"/>
+  <p:notesStyle>
+    <a:lvl1pPr marL="0" algn="l" defTabSz="914400" rtl="0" eaLnBrk="1" latinLnBrk="0" hangingPunct="1">
+      <a:defRPr sz="1200" kern="1200">
+        <a:solidFill>
+          <a:schemeClr val="tx1"/>
+        </a:solidFill>
+        <a:latin typeface="+mn-lt"/>
+        <a:ea typeface="+mn-ea"/>
+        <a:cs typeface="+mn-cs"/>
+      </a:defRPr>
+    </a:lvl1pPr>
+    <a:lvl2pPr marL="457200" algn="l" defTabSz="914400" rtl="0" eaLnBrk="1" latinLnBrk="0" hangingPunct="1">
+      <a:defRPr sz="1200" kern="1200">
+        <a:solidFill>
+          <a:schemeClr val="tx1"/>
+        </a:solidFill>
+        <a:latin typeface="+mn-lt"/>
+        <a:ea typeface="+mn-ea"/>
+        <a:cs typeface="+mn-cs"/>
+      </a:defRPr>
+    </a:lvl2pPr>
+    <a:lvl3pPr marL="914400" algn="l" defTabSz="914400" rtl="0" eaLnBrk="1" latinLnBrk="0" hangingPunct="1">
+      <a:defRPr sz="1200" kern="1200">
+        <a:solidFill>
+          <a:schemeClr val="tx1"/>
+        </a:solidFill>
+        <a:latin typeface="+mn-lt"/>
+        <a:ea typeface="+mn-ea"/>
+        <a:cs typeface="+mn-cs"/>
+      </a:defRPr>
+    </a:lvl3pPr>
+    <a:lvl4pPr marL="1371600" algn="l" defTabSz="914400" rtl="0" eaLnBrk="1" latinLnBrk="0" hangingPunct="1">
+      <a:defRPr sz="1200" kern="1200">
+        <a:solidFill>
+          <a:schemeClr val="tx1"/>
+        </a:solidFill>
+        <a:latin typeface="+mn-lt"/>
+        <a:ea typeface="+mn-ea"/>
+        <a:cs typeface="+mn-cs"/>
+      </a:defRPr>
+    </a:lvl4pPr>
+    <a:lvl5pPr marL="1828800" algn="l" defTabSz="914400" rtl="0" eaLnBrk="1" latinLnBrk="0" hangingPunct="1">
+      <a:defRPr sz="1200" kern="1200">
+        <a:solidFill>
+          <a:schemeClr val="tx1"/>
+        </a:solidFill>
+        <a:latin typeface="+mn-lt"/>
+        <a:ea typeface="+mn-ea"/>
+        <a:cs typeface="+mn-cs"/>
+      </a:defRPr>
+    </a:lvl5pPr>
+    <a:lvl6pPr marL="2286000" algn="l" defTabSz="914400" rtl="0" eaLnBrk="1" latinLnBrk="0" hangingPunct="1">
+      <a:defRPr sz="1200" kern="1200">
+        <a:solidFill>
+          <a:schemeClr val="tx1"/>
+        </a:solidFill>
+        <a:latin typeface="+mn-lt"/>
+        <a:ea typeface="+mn-ea"/>
+        <a:cs typeface="+mn-cs"/>
+      </a:defRPr>
+    </a:lvl6pPr>
+    <a:lvl7pPr marL="2743200" algn="l" defTabSz="914400" rtl="0" eaLnBrk="1" latinLnBrk="0" hangingPunct="1">
+      <a:defRPr sz="1200" kern="1200">
+        <a:solidFill>
+          <a:schemeClr val="tx1"/>
+        </a:solidFill>
+        <a:latin typeface="+mn-lt"/>
+        <a:ea typeface="+mn-ea"/>
+        <a:cs typeface="+mn-cs"/>
+      </a:defRPr>
+    </a:lvl7pPr>
+    <a:lvl8pPr marL="3200400" algn="l" defTabSz="914400" rtl="0" eaLnBrk="1" latinLnBrk="0" hangingPunct="1">
+      <a:defRPr sz="1200" kern="1200">
+        <a:solidFill>
+          <a:schemeClr val="tx1"/>
+        </a:solidFill>
+        <a:latin typeface="+mn-lt"/>
+        <a:ea typeface="+mn-ea"/>
+        <a:cs typeface="+mn-cs"/>
+      </a:defRPr>
+    </a:lvl8pPr>
+    <a:lvl9pPr marL="3657600" algn="l" defTabSz="914400" rtl="0" eaLnBrk="1" latinLnBrk="0" hangingPunct="1">
+      <a:defRPr sz="1200" kern="1200">
+        <a:solidFill>
+          <a:schemeClr val="tx1"/>
+        </a:solidFill>
+        <a:latin typeface="+mn-lt"/>
+        <a:ea typeface="+mn-ea"/>
+        <a:cs typeface="+mn-cs"/>
+      </a:defRPr>
+    </a:lvl9pPr>
+  </p:notesStyle>
+</p:notesMaster>
+</file>
+
+<file path=ppt/notesSlides/notesSlide1.xml><?xml version="1.0" encoding="utf-8"?>
+<p:notes xmlns:a="http://schemas.openxmlformats.org/drawingml/2006/main" xmlns:r="http://schemas.openxmlformats.org/officeDocument/2006/relationships" xmlns:p="http://schemas.openxmlformats.org/presentationml/2006/main">
+  <p:cSld>
+    <p:spTree>
+      <p:nvGrpSpPr>
+        <p:cNvPr id="1" name=""/>
+        <p:cNvGrpSpPr/>
+        <p:nvPr/>
+      </p:nvGrpSpPr>
+      <p:grpSpPr>
+        <a:xfrm>
+          <a:off x="0" y="0"/>
+          <a:ext cx="0" cy="0"/>
+          <a:chOff x="0" y="0"/>
+          <a:chExt cx="0" cy="0"/>
+        </a:xfrm>
+      </p:grpSpPr>
+      <p:sp>
+        <p:nvSpPr>
+          <p:cNvPr id="2" name="Slide Image Placeholder 1"/>
+          <p:cNvSpPr>
+            <a:spLocks noGrp="1" noRot="1" noChangeAspect="1"/>
+          </p:cNvSpPr>
+          <p:nvPr>
+            <p:ph type="sldImg"/>
+          </p:nvPr>
+        </p:nvSpPr>
+        <p:spPr/>
+      </p:sp>
+      <p:sp>
+        <p:nvSpPr>
+          <p:cNvPr id="3" name="Notes Placeholder 2"/>
+          <p:cNvSpPr>
+            <a:spLocks noGrp="1"/>
+          </p:cNvSpPr>
+          <p:nvPr>
+            <p:ph type="body" idx="1"/>
+          </p:nvPr>
+        </p:nvSpPr>
+        <p:spPr/>
+        <p:txBody>
+          <a:bodyPr/>
+          <a:lstStyle/>
+          <a:p>
+            <a:r>
+              <a:rPr lang="en-GB" dirty="0"/>
+              <a:t>Hello, my name is Seán Ó Fithcheallaigh and I am a part-time student on the MSc in Artificial Intelligence</a:t>
+            </a:r>
+          </a:p>
+          <a:p>
+            <a:endParaRPr lang="en-GB" dirty="0"/>
+          </a:p>
+          <a:p>
+            <a:r>
+              <a:rPr lang="en-GB" dirty="0"/>
+              <a:t>I’d like to thank everyone for coming along to listen to my presentation for my MSc research project which was based on the development of a constrained device, for people with visual impairments</a:t>
+            </a:r>
+          </a:p>
+          <a:p>
+            <a:endParaRPr lang="en-GB" dirty="0"/>
+          </a:p>
+          <a:p>
+            <a:r>
+              <a:rPr lang="en-GB" dirty="0"/>
+              <a:t>But more on that in a bit.</a:t>
+            </a:r>
+          </a:p>
+        </p:txBody>
+      </p:sp>
+      <p:sp>
+        <p:nvSpPr>
+          <p:cNvPr id="4" name="Slide Number Placeholder 3"/>
+          <p:cNvSpPr>
+            <a:spLocks noGrp="1"/>
+          </p:cNvSpPr>
+          <p:nvPr>
+            <p:ph type="sldNum" sz="quarter" idx="5"/>
+          </p:nvPr>
+        </p:nvSpPr>
+        <p:spPr/>
+        <p:txBody>
+          <a:bodyPr/>
+          <a:lstStyle/>
+          <a:p>
+            <a:fld id="{A291FEE6-3CE6-48D3-A539-66492A8C3EBF}" type="slidenum">
+              <a:rPr lang="en-GB" smtClean="0"/>
+              <a:t>1</a:t>
+            </a:fld>
+            <a:endParaRPr lang="en-GB"/>
+          </a:p>
+        </p:txBody>
+      </p:sp>
+    </p:spTree>
+    <p:extLst>
+      <p:ext uri="{BB962C8B-B14F-4D97-AF65-F5344CB8AC3E}">
+        <p14:creationId xmlns:p14="http://schemas.microsoft.com/office/powerpoint/2010/main" val="485604089"/>
+      </p:ext>
+    </p:extLst>
+  </p:cSld>
+  <p:clrMapOvr>
+    <a:masterClrMapping/>
+  </p:clrMapOvr>
+</p:notes>
+</file>
+
+<file path=ppt/notesSlides/notesSlide2.xml><?xml version="1.0" encoding="utf-8"?>
+<p:notes xmlns:a="http://schemas.openxmlformats.org/drawingml/2006/main" xmlns:r="http://schemas.openxmlformats.org/officeDocument/2006/relationships" xmlns:p="http://schemas.openxmlformats.org/presentationml/2006/main">
+  <p:cSld>
+    <p:spTree>
+      <p:nvGrpSpPr>
+        <p:cNvPr id="1" name=""/>
+        <p:cNvGrpSpPr/>
+        <p:nvPr/>
+      </p:nvGrpSpPr>
+      <p:grpSpPr>
+        <a:xfrm>
+          <a:off x="0" y="0"/>
+          <a:ext cx="0" cy="0"/>
+          <a:chOff x="0" y="0"/>
+          <a:chExt cx="0" cy="0"/>
+        </a:xfrm>
+      </p:grpSpPr>
+      <p:sp>
+        <p:nvSpPr>
+          <p:cNvPr id="2" name="Slide Image Placeholder 1"/>
+          <p:cNvSpPr>
+            <a:spLocks noGrp="1" noRot="1" noChangeAspect="1"/>
+          </p:cNvSpPr>
+          <p:nvPr>
+            <p:ph type="sldImg"/>
+          </p:nvPr>
+        </p:nvSpPr>
+        <p:spPr/>
+      </p:sp>
+      <p:sp>
+        <p:nvSpPr>
+          <p:cNvPr id="3" name="Notes Placeholder 2"/>
+          <p:cNvSpPr>
+            <a:spLocks noGrp="1"/>
+          </p:cNvSpPr>
+          <p:nvPr>
+            <p:ph type="body" idx="1"/>
+          </p:nvPr>
+        </p:nvSpPr>
+        <p:spPr/>
+        <p:txBody>
+          <a:bodyPr/>
+          <a:lstStyle/>
+          <a:p>
+            <a:r>
+              <a:rPr lang="en-GB" dirty="0"/>
+              <a:t>So just quickly to cover the agenda.</a:t>
+            </a:r>
+          </a:p>
+          <a:p>
+            <a:endParaRPr lang="en-GB" dirty="0"/>
+          </a:p>
+          <a:p>
+            <a:r>
+              <a:rPr lang="en-GB" dirty="0"/>
+              <a:t>We’ll start off with a quick discussion on the background of my project and talk about some of the related work</a:t>
+            </a:r>
+          </a:p>
+          <a:p>
+            <a:endParaRPr lang="en-GB" dirty="0"/>
+          </a:p>
+          <a:p>
+            <a:r>
+              <a:rPr lang="en-GB" dirty="0"/>
+              <a:t>Then we will get into the work done during the research, so we will look at the data collection element, then look at the main elements of analysis that I did, and then we will talk about deploying onto the constrained device.</a:t>
+            </a:r>
+          </a:p>
+          <a:p>
+            <a:endParaRPr lang="en-GB" dirty="0"/>
+          </a:p>
+          <a:p>
+            <a:r>
+              <a:rPr lang="en-GB" dirty="0"/>
+              <a:t>From there I will move onto the conclusions and talk about some future work before taking some questions</a:t>
+            </a:r>
+          </a:p>
+        </p:txBody>
+      </p:sp>
+      <p:sp>
+        <p:nvSpPr>
+          <p:cNvPr id="4" name="Slide Number Placeholder 3"/>
+          <p:cNvSpPr>
+            <a:spLocks noGrp="1"/>
+          </p:cNvSpPr>
+          <p:nvPr>
+            <p:ph type="sldNum" sz="quarter" idx="5"/>
+          </p:nvPr>
+        </p:nvSpPr>
+        <p:spPr/>
+        <p:txBody>
+          <a:bodyPr/>
+          <a:lstStyle/>
+          <a:p>
+            <a:fld id="{A291FEE6-3CE6-48D3-A539-66492A8C3EBF}" type="slidenum">
+              <a:rPr lang="en-GB" smtClean="0"/>
+              <a:t>2</a:t>
+            </a:fld>
+            <a:endParaRPr lang="en-GB"/>
+          </a:p>
+        </p:txBody>
+      </p:sp>
+    </p:spTree>
+    <p:extLst>
+      <p:ext uri="{BB962C8B-B14F-4D97-AF65-F5344CB8AC3E}">
+        <p14:creationId xmlns:p14="http://schemas.microsoft.com/office/powerpoint/2010/main" val="3722131688"/>
+      </p:ext>
+    </p:extLst>
+  </p:cSld>
+  <p:clrMapOvr>
+    <a:masterClrMapping/>
+  </p:clrMapOvr>
+</p:notes>
+</file>
+
+<file path=ppt/notesSlides/notesSlide3.xml><?xml version="1.0" encoding="utf-8"?>
+<p:notes xmlns:a="http://schemas.openxmlformats.org/drawingml/2006/main" xmlns:r="http://schemas.openxmlformats.org/officeDocument/2006/relationships" xmlns:p="http://schemas.openxmlformats.org/presentationml/2006/main">
+  <p:cSld>
+    <p:spTree>
+      <p:nvGrpSpPr>
+        <p:cNvPr id="1" name=""/>
+        <p:cNvGrpSpPr/>
+        <p:nvPr/>
+      </p:nvGrpSpPr>
+      <p:grpSpPr>
+        <a:xfrm>
+          <a:off x="0" y="0"/>
+          <a:ext cx="0" cy="0"/>
+          <a:chOff x="0" y="0"/>
+          <a:chExt cx="0" cy="0"/>
+        </a:xfrm>
+      </p:grpSpPr>
+      <p:sp>
+        <p:nvSpPr>
+          <p:cNvPr id="2" name="Slide Image Placeholder 1"/>
+          <p:cNvSpPr>
+            <a:spLocks noGrp="1" noRot="1" noChangeAspect="1"/>
+          </p:cNvSpPr>
+          <p:nvPr>
+            <p:ph type="sldImg"/>
+          </p:nvPr>
+        </p:nvSpPr>
+        <p:spPr/>
+      </p:sp>
+      <p:sp>
+        <p:nvSpPr>
+          <p:cNvPr id="3" name="Notes Placeholder 2"/>
+          <p:cNvSpPr>
+            <a:spLocks noGrp="1"/>
+          </p:cNvSpPr>
+          <p:nvPr>
+            <p:ph type="body" idx="1"/>
+          </p:nvPr>
+        </p:nvSpPr>
+        <p:spPr/>
+        <p:txBody>
+          <a:bodyPr/>
+          <a:lstStyle/>
+          <a:p>
+            <a:r>
+              <a:rPr lang="en-GB" dirty="0"/>
+              <a:t>Okay, so, as a society we have people who are living longer lives. And naturally, as we get older, we are more susceptible to developing medical issues. One of these could be sight loss.</a:t>
+            </a:r>
+          </a:p>
+          <a:p>
+            <a:endParaRPr lang="en-GB" dirty="0"/>
+          </a:p>
+          <a:p>
+            <a:r>
+              <a:rPr lang="en-GB" dirty="0"/>
+              <a:t>It is expected that by 2050 the number of people who suffer from sight loss will double to over 4 million people.</a:t>
+            </a:r>
+          </a:p>
+          <a:p>
+            <a:endParaRPr lang="en-GB" dirty="0"/>
+          </a:p>
+          <a:p>
+            <a:r>
+              <a:rPr lang="en-GB" dirty="0"/>
+              <a:t>As you can imagine, losing your sight can have a serious impact on a person’s mental and physical well-being – things that a person might have done without thinking, such as walking to the local shop, now become a bigger task.</a:t>
+            </a:r>
+          </a:p>
+          <a:p>
+            <a:endParaRPr lang="en-GB" dirty="0"/>
+          </a:p>
+          <a:p>
+            <a:r>
+              <a:rPr lang="en-GB" dirty="0"/>
+              <a:t>The development and use of an edge device, or constrained device, for obstacle detection and navigation, would allow a person to live a more full, independent life.</a:t>
+            </a:r>
+          </a:p>
+          <a:p>
+            <a:endParaRPr lang="en-GB" dirty="0"/>
+          </a:p>
+          <a:p>
+            <a:r>
+              <a:rPr lang="en-GB" dirty="0"/>
+              <a:t>So work has been done in this area already, For example, the paper listed here from 2017 looked at using machine learning to carry out real-time ranging and localisation of objects. The work discussed a number od labelling options,  including the use of a gris system, and looked at how well classification algorithms performed for automatic train pairing</a:t>
+            </a:r>
+          </a:p>
+          <a:p>
+            <a:endParaRPr lang="en-GB" dirty="0"/>
+          </a:p>
+          <a:p>
+            <a:r>
+              <a:rPr lang="en-GB" dirty="0"/>
+              <a:t>The work carried out in 2021 looks at the development of a “smart blind stick”, which had ultrasonic sensors added to measure distance, as well as a water sensor to detect rainfall and water level. This system would connect to an app on the users phone and send them alerts</a:t>
+            </a:r>
+          </a:p>
+          <a:p>
+            <a:endParaRPr lang="en-GB" dirty="0"/>
+          </a:p>
+          <a:p>
+            <a:r>
+              <a:rPr lang="en-GB" dirty="0"/>
+              <a:t>There are of course other research, but I highlight these as they come at the problem of object detection from a few different angels. </a:t>
+            </a:r>
+          </a:p>
+          <a:p>
+            <a:endParaRPr lang="en-GB" dirty="0"/>
+          </a:p>
+          <a:p>
+            <a:endParaRPr lang="en-GB" dirty="0"/>
+          </a:p>
+        </p:txBody>
+      </p:sp>
+      <p:sp>
+        <p:nvSpPr>
+          <p:cNvPr id="4" name="Slide Number Placeholder 3"/>
+          <p:cNvSpPr>
+            <a:spLocks noGrp="1"/>
+          </p:cNvSpPr>
+          <p:nvPr>
+            <p:ph type="sldNum" sz="quarter" idx="5"/>
+          </p:nvPr>
+        </p:nvSpPr>
+        <p:spPr/>
+        <p:txBody>
+          <a:bodyPr/>
+          <a:lstStyle/>
+          <a:p>
+            <a:fld id="{A291FEE6-3CE6-48D3-A539-66492A8C3EBF}" type="slidenum">
+              <a:rPr lang="en-GB" smtClean="0"/>
+              <a:t>3</a:t>
+            </a:fld>
+            <a:endParaRPr lang="en-GB"/>
+          </a:p>
+        </p:txBody>
+      </p:sp>
+    </p:spTree>
+    <p:extLst>
+      <p:ext uri="{BB962C8B-B14F-4D97-AF65-F5344CB8AC3E}">
+        <p14:creationId xmlns:p14="http://schemas.microsoft.com/office/powerpoint/2010/main" val="3262137999"/>
+      </p:ext>
+    </p:extLst>
+  </p:cSld>
+  <p:clrMapOvr>
+    <a:masterClrMapping/>
+  </p:clrMapOvr>
+</p:notes>
+</file>
+
+<file path=ppt/notesSlides/notesSlide4.xml><?xml version="1.0" encoding="utf-8"?>
+<p:notes xmlns:a="http://schemas.openxmlformats.org/drawingml/2006/main" xmlns:r="http://schemas.openxmlformats.org/officeDocument/2006/relationships" xmlns:p="http://schemas.openxmlformats.org/presentationml/2006/main">
+  <p:cSld>
+    <p:spTree>
+      <p:nvGrpSpPr>
+        <p:cNvPr id="1" name=""/>
+        <p:cNvGrpSpPr/>
+        <p:nvPr/>
+      </p:nvGrpSpPr>
+      <p:grpSpPr>
+        <a:xfrm>
+          <a:off x="0" y="0"/>
+          <a:ext cx="0" cy="0"/>
+          <a:chOff x="0" y="0"/>
+          <a:chExt cx="0" cy="0"/>
+        </a:xfrm>
+      </p:grpSpPr>
+      <p:sp>
+        <p:nvSpPr>
+          <p:cNvPr id="2" name="Slide Image Placeholder 1"/>
+          <p:cNvSpPr>
+            <a:spLocks noGrp="1" noRot="1" noChangeAspect="1"/>
+          </p:cNvSpPr>
+          <p:nvPr>
+            <p:ph type="sldImg"/>
+          </p:nvPr>
+        </p:nvSpPr>
+        <p:spPr/>
+      </p:sp>
+      <p:sp>
+        <p:nvSpPr>
+          <p:cNvPr id="3" name="Notes Placeholder 2"/>
+          <p:cNvSpPr>
+            <a:spLocks noGrp="1"/>
+          </p:cNvSpPr>
+          <p:nvPr>
+            <p:ph type="body" idx="1"/>
+          </p:nvPr>
+        </p:nvSpPr>
+        <p:spPr/>
+        <p:txBody>
+          <a:bodyPr/>
+          <a:lstStyle/>
+          <a:p>
+            <a:r>
+              <a:rPr lang="en-GB" dirty="0"/>
+              <a:t>So that brings me to the aims an objectives of my research.</a:t>
+            </a:r>
+          </a:p>
+          <a:p>
+            <a:endParaRPr lang="en-GB" dirty="0"/>
+          </a:p>
+          <a:p>
+            <a:r>
+              <a:rPr lang="en-GB" dirty="0"/>
+              <a:t>The aim is to use </a:t>
+            </a:r>
+            <a:r>
+              <a:rPr lang="en-GB" sz="1200" i="0" kern="1200" dirty="0">
+                <a:solidFill>
+                  <a:schemeClr val="tx1"/>
+                </a:solidFill>
+                <a:latin typeface="+mn-lt"/>
+                <a:ea typeface="+mn-ea"/>
+                <a:cs typeface="+mn-cs"/>
+              </a:rPr>
+              <a:t>machine learning methods within a constrained device and</a:t>
+            </a:r>
+            <a:r>
+              <a:rPr lang="en-GB" sz="1200" i="0" dirty="0"/>
+              <a:t> </a:t>
+            </a:r>
+            <a:r>
+              <a:rPr lang="en-GB" sz="1200" i="0" kern="1200" dirty="0">
+                <a:solidFill>
+                  <a:schemeClr val="tx1"/>
+                </a:solidFill>
+                <a:latin typeface="+mn-lt"/>
+                <a:ea typeface="+mn-ea"/>
+                <a:cs typeface="+mn-cs"/>
+              </a:rPr>
+              <a:t>develop a syste</a:t>
+            </a:r>
+            <a:r>
+              <a:rPr lang="en-GB" sz="1200" i="0" dirty="0"/>
+              <a:t>m</a:t>
+            </a:r>
+            <a:r>
+              <a:rPr lang="en-GB" sz="1200" i="0" kern="1200" dirty="0">
+                <a:solidFill>
+                  <a:schemeClr val="tx1"/>
+                </a:solidFill>
+                <a:latin typeface="+mn-lt"/>
+                <a:ea typeface="+mn-ea"/>
+                <a:cs typeface="+mn-cs"/>
+              </a:rPr>
+              <a:t> for obstacle detection and localisation in an indoor setting, to allow navigation of an unfamiliar environment by people with visual impairments.</a:t>
+            </a:r>
+          </a:p>
+          <a:p>
+            <a:endParaRPr lang="en-GB" sz="1200" i="0" kern="1200" dirty="0">
+              <a:solidFill>
+                <a:schemeClr val="tx1"/>
+              </a:solidFill>
+              <a:latin typeface="+mn-lt"/>
+              <a:ea typeface="+mn-ea"/>
+              <a:cs typeface="+mn-cs"/>
+            </a:endParaRPr>
+          </a:p>
+          <a:p>
+            <a:r>
+              <a:rPr lang="en-GB" sz="1200" i="0" kern="1200" dirty="0">
+                <a:solidFill>
+                  <a:schemeClr val="tx1"/>
+                </a:solidFill>
+                <a:latin typeface="+mn-lt"/>
+                <a:ea typeface="+mn-ea"/>
+                <a:cs typeface="+mn-cs"/>
+              </a:rPr>
+              <a:t>To meet this aim, there will be several milestones to meet.</a:t>
+            </a:r>
+          </a:p>
+          <a:p>
+            <a:endParaRPr lang="en-GB" sz="1200" i="0" kern="1200" dirty="0">
+              <a:solidFill>
+                <a:schemeClr val="tx1"/>
+              </a:solidFill>
+              <a:latin typeface="+mn-lt"/>
+              <a:ea typeface="+mn-ea"/>
+              <a:cs typeface="+mn-cs"/>
+            </a:endParaRPr>
+          </a:p>
+          <a:p>
+            <a:pPr marL="171450" indent="-171450" defTabSz="594360">
+              <a:spcBef>
+                <a:spcPts val="650"/>
+              </a:spcBef>
+              <a:buFont typeface="Arial" panose="020B0604020202020204" pitchFamily="34" charset="0"/>
+              <a:buChar char="•"/>
+            </a:pPr>
+            <a:r>
+              <a:rPr lang="en-GB" sz="1200" kern="1200" dirty="0">
+                <a:solidFill>
+                  <a:schemeClr val="tx1"/>
+                </a:solidFill>
+                <a:latin typeface="+mn-lt"/>
+                <a:ea typeface="+mn-ea"/>
+                <a:cs typeface="+mn-cs"/>
+              </a:rPr>
+              <a:t>Development of a data collection system, and subsequent data collection</a:t>
+            </a:r>
+          </a:p>
+          <a:p>
+            <a:pPr marL="171450" marR="0" lvl="0" indent="-171450" algn="l" defTabSz="594360" rtl="0" eaLnBrk="1" fontAlgn="auto" latinLnBrk="0" hangingPunct="1">
+              <a:lnSpc>
+                <a:spcPct val="100000"/>
+              </a:lnSpc>
+              <a:spcBef>
+                <a:spcPts val="650"/>
+              </a:spcBef>
+              <a:spcAft>
+                <a:spcPts val="0"/>
+              </a:spcAft>
+              <a:buClrTx/>
+              <a:buSzTx/>
+              <a:buFont typeface="Arial" panose="020B0604020202020204" pitchFamily="34" charset="0"/>
+              <a:buChar char="•"/>
+              <a:tabLst/>
+              <a:defRPr/>
+            </a:pPr>
+            <a:r>
+              <a:rPr lang="en-GB" sz="1200" kern="1200" dirty="0">
+                <a:solidFill>
+                  <a:schemeClr val="tx1"/>
+                </a:solidFill>
+                <a:latin typeface="+mn-lt"/>
+                <a:ea typeface="+mn-ea"/>
+                <a:cs typeface="+mn-cs"/>
+              </a:rPr>
+              <a:t>Investigate the performance of various machine learning techniques on the collected dataset </a:t>
+            </a:r>
+          </a:p>
+          <a:p>
+            <a:pPr marL="171450" marR="0" lvl="0" indent="-171450" algn="l" defTabSz="594360" rtl="0" eaLnBrk="1" fontAlgn="auto" latinLnBrk="0" hangingPunct="1">
+              <a:lnSpc>
+                <a:spcPct val="100000"/>
+              </a:lnSpc>
+              <a:spcBef>
+                <a:spcPts val="650"/>
+              </a:spcBef>
+              <a:spcAft>
+                <a:spcPts val="0"/>
+              </a:spcAft>
+              <a:buClrTx/>
+              <a:buSzTx/>
+              <a:buFont typeface="Arial" panose="020B0604020202020204" pitchFamily="34" charset="0"/>
+              <a:buChar char="•"/>
+              <a:tabLst/>
+              <a:defRPr/>
+            </a:pPr>
+            <a:r>
+              <a:rPr lang="en-GB" sz="1200" kern="1200" dirty="0">
+                <a:solidFill>
+                  <a:schemeClr val="tx1"/>
+                </a:solidFill>
+                <a:latin typeface="+mn-lt"/>
+                <a:ea typeface="+mn-ea"/>
+                <a:cs typeface="+mn-cs"/>
+              </a:rPr>
+              <a:t>Deploy the model to an Edge, or constrained device and evaluate the performance</a:t>
+            </a:r>
+            <a:endParaRPr lang="en-GB" dirty="0"/>
+          </a:p>
+          <a:p>
+            <a:pPr marL="171450" indent="-171450" defTabSz="594360">
+              <a:spcBef>
+                <a:spcPts val="650"/>
+              </a:spcBef>
+              <a:buFont typeface="Arial" panose="020B0604020202020204" pitchFamily="34" charset="0"/>
+              <a:buChar char="•"/>
+            </a:pPr>
+            <a:endParaRPr lang="en-GB" sz="1200" kern="1200" dirty="0">
+              <a:solidFill>
+                <a:schemeClr val="tx1"/>
+              </a:solidFill>
+              <a:latin typeface="+mn-lt"/>
+              <a:ea typeface="+mn-ea"/>
+              <a:cs typeface="+mn-cs"/>
+            </a:endParaRPr>
+          </a:p>
+          <a:p>
+            <a:pPr marL="0" indent="0" defTabSz="594360">
+              <a:spcBef>
+                <a:spcPts val="650"/>
+              </a:spcBef>
+              <a:buFont typeface="Arial" panose="020B0604020202020204" pitchFamily="34" charset="0"/>
+              <a:buNone/>
+            </a:pPr>
+            <a:r>
+              <a:rPr lang="en-GB" sz="1200" kern="1200" dirty="0">
+                <a:solidFill>
+                  <a:schemeClr val="tx1"/>
+                </a:solidFill>
+                <a:latin typeface="+mn-lt"/>
+                <a:ea typeface="+mn-ea"/>
+                <a:cs typeface="+mn-cs"/>
+              </a:rPr>
+              <a:t>So, let’s move onto to discuss the data collection phase</a:t>
+            </a:r>
+          </a:p>
+          <a:p>
+            <a:pPr marL="171450" indent="-171450" defTabSz="594360">
+              <a:spcBef>
+                <a:spcPts val="650"/>
+              </a:spcBef>
+              <a:buFont typeface="Arial" panose="020B0604020202020204" pitchFamily="34" charset="0"/>
+              <a:buChar char="•"/>
+            </a:pPr>
+            <a:endParaRPr lang="en-GB" sz="1200" kern="1200" dirty="0">
+              <a:solidFill>
+                <a:schemeClr val="tx1"/>
+              </a:solidFill>
+              <a:latin typeface="+mn-lt"/>
+              <a:ea typeface="+mn-ea"/>
+              <a:cs typeface="+mn-cs"/>
+            </a:endParaRPr>
+          </a:p>
+          <a:p>
+            <a:pPr marL="171450" indent="-171450" defTabSz="594360">
+              <a:spcBef>
+                <a:spcPts val="650"/>
+              </a:spcBef>
+              <a:buFont typeface="Arial" panose="020B0604020202020204" pitchFamily="34" charset="0"/>
+              <a:buChar char="•"/>
+            </a:pPr>
+            <a:endParaRPr lang="en-GB" sz="1200" kern="1200" dirty="0">
+              <a:solidFill>
+                <a:schemeClr val="tx1"/>
+              </a:solidFill>
+              <a:latin typeface="+mn-lt"/>
+              <a:ea typeface="+mn-ea"/>
+              <a:cs typeface="+mn-cs"/>
+            </a:endParaRPr>
+          </a:p>
+        </p:txBody>
+      </p:sp>
+      <p:sp>
+        <p:nvSpPr>
+          <p:cNvPr id="4" name="Slide Number Placeholder 3"/>
+          <p:cNvSpPr>
+            <a:spLocks noGrp="1"/>
+          </p:cNvSpPr>
+          <p:nvPr>
+            <p:ph type="sldNum" sz="quarter" idx="5"/>
+          </p:nvPr>
+        </p:nvSpPr>
+        <p:spPr/>
+        <p:txBody>
+          <a:bodyPr/>
+          <a:lstStyle/>
+          <a:p>
+            <a:fld id="{A291FEE6-3CE6-48D3-A539-66492A8C3EBF}" type="slidenum">
+              <a:rPr lang="en-GB" smtClean="0"/>
+              <a:t>4</a:t>
+            </a:fld>
+            <a:endParaRPr lang="en-GB"/>
+          </a:p>
+        </p:txBody>
+      </p:sp>
+    </p:spTree>
+    <p:extLst>
+      <p:ext uri="{BB962C8B-B14F-4D97-AF65-F5344CB8AC3E}">
+        <p14:creationId xmlns:p14="http://schemas.microsoft.com/office/powerpoint/2010/main" val="3430773963"/>
+      </p:ext>
+    </p:extLst>
+  </p:cSld>
+  <p:clrMapOvr>
+    <a:masterClrMapping/>
+  </p:clrMapOvr>
+</p:notes>
+</file>
+
+<file path=ppt/notesSlides/notesSlide5.xml><?xml version="1.0" encoding="utf-8"?>
+<p:notes xmlns:a="http://schemas.openxmlformats.org/drawingml/2006/main" xmlns:r="http://schemas.openxmlformats.org/officeDocument/2006/relationships" xmlns:p="http://schemas.openxmlformats.org/presentationml/2006/main">
+  <p:cSld>
+    <p:spTree>
+      <p:nvGrpSpPr>
+        <p:cNvPr id="1" name=""/>
+        <p:cNvGrpSpPr/>
+        <p:nvPr/>
+      </p:nvGrpSpPr>
+      <p:grpSpPr>
+        <a:xfrm>
+          <a:off x="0" y="0"/>
+          <a:ext cx="0" cy="0"/>
+          <a:chOff x="0" y="0"/>
+          <a:chExt cx="0" cy="0"/>
+        </a:xfrm>
+      </p:grpSpPr>
+      <p:sp>
+        <p:nvSpPr>
+          <p:cNvPr id="2" name="Slide Image Placeholder 1"/>
+          <p:cNvSpPr>
+            <a:spLocks noGrp="1" noRot="1" noChangeAspect="1"/>
+          </p:cNvSpPr>
+          <p:nvPr>
+            <p:ph type="sldImg"/>
+          </p:nvPr>
+        </p:nvSpPr>
+        <p:spPr/>
+      </p:sp>
+      <p:sp>
+        <p:nvSpPr>
+          <p:cNvPr id="3" name="Notes Placeholder 2"/>
+          <p:cNvSpPr>
+            <a:spLocks noGrp="1"/>
+          </p:cNvSpPr>
+          <p:nvPr>
+            <p:ph type="body" idx="1"/>
+          </p:nvPr>
+        </p:nvSpPr>
+        <p:spPr/>
+        <p:txBody>
+          <a:bodyPr/>
+          <a:lstStyle/>
+          <a:p>
+            <a:r>
+              <a:rPr lang="en-GB" dirty="0"/>
+              <a:t>Data was collected using an Arduino dev kit, and two ultrasonic sensors.</a:t>
+            </a:r>
+          </a:p>
+          <a:p>
+            <a:endParaRPr lang="en-GB" dirty="0"/>
+          </a:p>
+          <a:p>
+            <a:r>
+              <a:rPr lang="en-GB" dirty="0"/>
+              <a:t>I looked at several potential sensors, including sensors such as LiDAR, but given the parameters, I was working with, the ultrasonic sensors were the ideal option.</a:t>
+            </a:r>
+          </a:p>
+          <a:p>
+            <a:endParaRPr lang="en-GB" dirty="0"/>
+          </a:p>
+          <a:p>
+            <a:r>
+              <a:rPr lang="en-GB" dirty="0"/>
+              <a:t>The code used in the Arduino was developed within the Arduino IDE. The Arduino language is a variant of C++, with some functions, methods and libraries that can be used and imported</a:t>
+            </a:r>
+          </a:p>
+          <a:p>
+            <a:endParaRPr lang="en-GB" dirty="0"/>
+          </a:p>
+          <a:p>
+            <a:r>
+              <a:rPr lang="en-GB" dirty="0"/>
+              <a:t>Several large object were selected for the data collection, specifically a large bin, a storage box, a display stand and a closed door – large items that you might find in a hallway in an office say.</a:t>
+            </a:r>
+          </a:p>
+          <a:p>
+            <a:endParaRPr lang="en-GB" dirty="0"/>
+          </a:p>
+          <a:p>
+            <a:r>
+              <a:rPr lang="en-GB" dirty="0"/>
+              <a:t>Data was collected from a 3 by 3 grid for the purposes of localisation. The object was placed in the centre, seen here in the red, and the data collection system was moved from grid to grid, with data called from two ultrasonic sensors, or two channels</a:t>
+            </a:r>
+          </a:p>
+          <a:p>
+            <a:endParaRPr lang="en-GB" dirty="0"/>
+          </a:p>
+          <a:p>
+            <a:endParaRPr lang="en-GB" dirty="0"/>
+          </a:p>
+        </p:txBody>
+      </p:sp>
+      <p:sp>
+        <p:nvSpPr>
+          <p:cNvPr id="4" name="Slide Number Placeholder 3"/>
+          <p:cNvSpPr>
+            <a:spLocks noGrp="1"/>
+          </p:cNvSpPr>
+          <p:nvPr>
+            <p:ph type="sldNum" sz="quarter" idx="5"/>
+          </p:nvPr>
+        </p:nvSpPr>
+        <p:spPr/>
+        <p:txBody>
+          <a:bodyPr/>
+          <a:lstStyle/>
+          <a:p>
+            <a:fld id="{A291FEE6-3CE6-48D3-A539-66492A8C3EBF}" type="slidenum">
+              <a:rPr lang="en-GB" smtClean="0"/>
+              <a:t>5</a:t>
+            </a:fld>
+            <a:endParaRPr lang="en-GB"/>
+          </a:p>
+        </p:txBody>
+      </p:sp>
+    </p:spTree>
+    <p:extLst>
+      <p:ext uri="{BB962C8B-B14F-4D97-AF65-F5344CB8AC3E}">
+        <p14:creationId xmlns:p14="http://schemas.microsoft.com/office/powerpoint/2010/main" val="3041875379"/>
+      </p:ext>
+    </p:extLst>
+  </p:cSld>
+  <p:clrMapOvr>
+    <a:masterClrMapping/>
+  </p:clrMapOvr>
+</p:notes>
+</file>
+
+<file path=ppt/notesSlides/notesSlide6.xml><?xml version="1.0" encoding="utf-8"?>
+<p:notes xmlns:a="http://schemas.openxmlformats.org/drawingml/2006/main" xmlns:r="http://schemas.openxmlformats.org/officeDocument/2006/relationships" xmlns:p="http://schemas.openxmlformats.org/presentationml/2006/main">
+  <p:cSld>
+    <p:spTree>
+      <p:nvGrpSpPr>
+        <p:cNvPr id="1" name=""/>
+        <p:cNvGrpSpPr/>
+        <p:nvPr/>
+      </p:nvGrpSpPr>
+      <p:grpSpPr>
+        <a:xfrm>
+          <a:off x="0" y="0"/>
+          <a:ext cx="0" cy="0"/>
+          <a:chOff x="0" y="0"/>
+          <a:chExt cx="0" cy="0"/>
+        </a:xfrm>
+      </p:grpSpPr>
+      <p:sp>
+        <p:nvSpPr>
+          <p:cNvPr id="2" name="Slide Image Placeholder 1"/>
+          <p:cNvSpPr>
+            <a:spLocks noGrp="1" noRot="1" noChangeAspect="1"/>
+          </p:cNvSpPr>
+          <p:nvPr>
+            <p:ph type="sldImg"/>
+          </p:nvPr>
+        </p:nvSpPr>
+        <p:spPr/>
+      </p:sp>
+      <p:sp>
+        <p:nvSpPr>
+          <p:cNvPr id="3" name="Notes Placeholder 2"/>
+          <p:cNvSpPr>
+            <a:spLocks noGrp="1"/>
+          </p:cNvSpPr>
+          <p:nvPr>
+            <p:ph type="body" idx="1"/>
+          </p:nvPr>
+        </p:nvSpPr>
+        <p:spPr/>
+        <p:txBody>
+          <a:bodyPr/>
+          <a:lstStyle/>
+          <a:p>
+            <a:r>
+              <a:rPr lang="en-GB" dirty="0"/>
+              <a:t>Once I had my dataset, the next phase was the analysis.</a:t>
+            </a:r>
+          </a:p>
+          <a:p>
+            <a:endParaRPr lang="en-GB" dirty="0"/>
+          </a:p>
+          <a:p>
+            <a:r>
+              <a:rPr lang="en-GB" dirty="0"/>
+              <a:t>The question I wanted to answer was can standard machine learning techniques be used to classify the data. </a:t>
+            </a:r>
+          </a:p>
+          <a:p>
+            <a:endParaRPr lang="en-GB" dirty="0"/>
+          </a:p>
+          <a:p>
+            <a:r>
+              <a:rPr lang="en-GB" dirty="0"/>
+              <a:t>I started off by investigating if machine learning could be used to detect an object at all. This is the “Binary Search”</a:t>
+            </a:r>
+          </a:p>
+          <a:p>
+            <a:r>
+              <a:rPr lang="en-GB" dirty="0"/>
+              <a:t>The results here are the percentage accuracy values, and we can see that generally the accuracy is quite good. In particular he DT and KNN accuracy results are very good, at 100%</a:t>
+            </a:r>
+          </a:p>
+          <a:p>
+            <a:endParaRPr lang="en-GB" dirty="0"/>
+          </a:p>
+          <a:p>
+            <a:r>
+              <a:rPr lang="en-GB" dirty="0"/>
+              <a:t>After that, I wanted to understand the accuracy of classifying the data for each grid. This is shown in the grid search results, and again we can see that the DT and KNN were showing accuracy of 100%</a:t>
+            </a:r>
+          </a:p>
+          <a:p>
+            <a:endParaRPr lang="en-GB" dirty="0"/>
+          </a:p>
+        </p:txBody>
+      </p:sp>
+      <p:sp>
+        <p:nvSpPr>
+          <p:cNvPr id="4" name="Slide Number Placeholder 3"/>
+          <p:cNvSpPr>
+            <a:spLocks noGrp="1"/>
+          </p:cNvSpPr>
+          <p:nvPr>
+            <p:ph type="sldNum" sz="quarter" idx="5"/>
+          </p:nvPr>
+        </p:nvSpPr>
+        <p:spPr/>
+        <p:txBody>
+          <a:bodyPr/>
+          <a:lstStyle/>
+          <a:p>
+            <a:fld id="{A291FEE6-3CE6-48D3-A539-66492A8C3EBF}" type="slidenum">
+              <a:rPr lang="en-GB" smtClean="0"/>
+              <a:t>6</a:t>
+            </a:fld>
+            <a:endParaRPr lang="en-GB"/>
+          </a:p>
+        </p:txBody>
+      </p:sp>
+    </p:spTree>
+    <p:extLst>
+      <p:ext uri="{BB962C8B-B14F-4D97-AF65-F5344CB8AC3E}">
+        <p14:creationId xmlns:p14="http://schemas.microsoft.com/office/powerpoint/2010/main" val="2128811746"/>
+      </p:ext>
+    </p:extLst>
+  </p:cSld>
+  <p:clrMapOvr>
+    <a:masterClrMapping/>
+  </p:clrMapOvr>
+</p:notes>
+</file>
+
+<file path=ppt/notesSlides/notesSlide7.xml><?xml version="1.0" encoding="utf-8"?>
+<p:notes xmlns:a="http://schemas.openxmlformats.org/drawingml/2006/main" xmlns:r="http://schemas.openxmlformats.org/officeDocument/2006/relationships" xmlns:p="http://schemas.openxmlformats.org/presentationml/2006/main">
+  <p:cSld>
+    <p:spTree>
+      <p:nvGrpSpPr>
+        <p:cNvPr id="1" name=""/>
+        <p:cNvGrpSpPr/>
+        <p:nvPr/>
+      </p:nvGrpSpPr>
+      <p:grpSpPr>
+        <a:xfrm>
+          <a:off x="0" y="0"/>
+          <a:ext cx="0" cy="0"/>
+          <a:chOff x="0" y="0"/>
+          <a:chExt cx="0" cy="0"/>
+        </a:xfrm>
+      </p:grpSpPr>
+      <p:sp>
+        <p:nvSpPr>
+          <p:cNvPr id="2" name="Slide Image Placeholder 1"/>
+          <p:cNvSpPr>
+            <a:spLocks noGrp="1" noRot="1" noChangeAspect="1"/>
+          </p:cNvSpPr>
+          <p:nvPr>
+            <p:ph type="sldImg"/>
+          </p:nvPr>
+        </p:nvSpPr>
+        <p:spPr/>
+      </p:sp>
+      <p:sp>
+        <p:nvSpPr>
+          <p:cNvPr id="3" name="Notes Placeholder 2"/>
+          <p:cNvSpPr>
+            <a:spLocks noGrp="1"/>
+          </p:cNvSpPr>
+          <p:nvPr>
+            <p:ph type="body" idx="1"/>
+          </p:nvPr>
+        </p:nvSpPr>
+        <p:spPr/>
+        <p:txBody>
+          <a:bodyPr/>
+          <a:lstStyle/>
+          <a:p>
+            <a:pPr marL="0" marR="0" lvl="0" indent="0" algn="l" defTabSz="914400" rtl="0" eaLnBrk="1" fontAlgn="auto" latinLnBrk="0" hangingPunct="1">
+              <a:lnSpc>
+                <a:spcPct val="100000"/>
+              </a:lnSpc>
+              <a:spcBef>
+                <a:spcPts val="0"/>
+              </a:spcBef>
+              <a:spcAft>
+                <a:spcPts val="0"/>
+              </a:spcAft>
+              <a:buClrTx/>
+              <a:buSzTx/>
+              <a:buFontTx/>
+              <a:buNone/>
+              <a:tabLst/>
+              <a:defRPr/>
+            </a:pPr>
+            <a:r>
+              <a:rPr lang="en-GB" dirty="0"/>
+              <a:t>I am always a bit weary when things are too good. So, I wanted to investigate the 100 % accuracy score a bit further</a:t>
+            </a:r>
+          </a:p>
+          <a:p>
+            <a:endParaRPr lang="en-GB" dirty="0"/>
+          </a:p>
+          <a:p>
+            <a:r>
+              <a:rPr lang="en-GB" dirty="0"/>
+              <a:t>To do this I trained the algorithms in three of the data sets, leaving 1 dataset out. This 1 dataset would then be used to test the model. This meant the that models would never have “seen” </a:t>
+            </a:r>
+            <a:r>
+              <a:rPr lang="en-GB"/>
+              <a:t>this data</a:t>
+            </a:r>
+            <a:endParaRPr lang="en-GB" dirty="0"/>
+          </a:p>
+        </p:txBody>
+      </p:sp>
+      <p:sp>
+        <p:nvSpPr>
+          <p:cNvPr id="4" name="Slide Number Placeholder 3"/>
+          <p:cNvSpPr>
+            <a:spLocks noGrp="1"/>
+          </p:cNvSpPr>
+          <p:nvPr>
+            <p:ph type="sldNum" sz="quarter" idx="5"/>
+          </p:nvPr>
+        </p:nvSpPr>
+        <p:spPr/>
+        <p:txBody>
+          <a:bodyPr/>
+          <a:lstStyle/>
+          <a:p>
+            <a:fld id="{A291FEE6-3CE6-48D3-A539-66492A8C3EBF}" type="slidenum">
+              <a:rPr lang="en-GB" smtClean="0"/>
+              <a:t>7</a:t>
+            </a:fld>
+            <a:endParaRPr lang="en-GB"/>
+          </a:p>
+        </p:txBody>
+      </p:sp>
+    </p:spTree>
+    <p:extLst>
+      <p:ext uri="{BB962C8B-B14F-4D97-AF65-F5344CB8AC3E}">
+        <p14:creationId xmlns:p14="http://schemas.microsoft.com/office/powerpoint/2010/main" val="187860247"/>
+      </p:ext>
+    </p:extLst>
+  </p:cSld>
+  <p:clrMapOvr>
+    <a:masterClrMapping/>
+  </p:clrMapOvr>
+</p:notes>
+</file>
+
 <file path=ppt/slideLayouts/slideLayout1.xml><?xml version="1.0" encoding="utf-8"?>
 <p:sldLayout xmlns:a="http://schemas.openxmlformats.org/drawingml/2006/main" xmlns:r="http://schemas.openxmlformats.org/officeDocument/2006/relationships" xmlns:p="http://schemas.openxmlformats.org/presentationml/2006/main" type="title" preserve="1">
   <p:cSld name="Title Slide">
@@ -1008,7 +2419,7 @@
           <a:p>
             <a:fld id="{6A40F7CE-1056-4AA7-918B-FDD9DDC9022B}" type="datetimeFigureOut">
               <a:rPr lang="en-GB" smtClean="0"/>
-              <a:t>19/05/2023</a:t>
+              <a:t>20/05/2023</a:t>
             </a:fld>
             <a:endParaRPr lang="en-GB"/>
           </a:p>
@@ -1208,7 +2619,7 @@
           <a:p>
             <a:fld id="{6A40F7CE-1056-4AA7-918B-FDD9DDC9022B}" type="datetimeFigureOut">
               <a:rPr lang="en-GB" smtClean="0"/>
-              <a:t>19/05/2023</a:t>
+              <a:t>20/05/2023</a:t>
             </a:fld>
             <a:endParaRPr lang="en-GB"/>
           </a:p>
@@ -1418,7 +2829,7 @@
           <a:p>
             <a:fld id="{6A40F7CE-1056-4AA7-918B-FDD9DDC9022B}" type="datetimeFigureOut">
               <a:rPr lang="en-GB" smtClean="0"/>
-              <a:t>19/05/2023</a:t>
+              <a:t>20/05/2023</a:t>
             </a:fld>
             <a:endParaRPr lang="en-GB"/>
           </a:p>
@@ -1618,7 +3029,7 @@
           <a:p>
             <a:fld id="{6A40F7CE-1056-4AA7-918B-FDD9DDC9022B}" type="datetimeFigureOut">
               <a:rPr lang="en-GB" smtClean="0"/>
-              <a:t>19/05/2023</a:t>
+              <a:t>20/05/2023</a:t>
             </a:fld>
             <a:endParaRPr lang="en-GB"/>
           </a:p>
@@ -1894,7 +3305,7 @@
           <a:p>
             <a:fld id="{6A40F7CE-1056-4AA7-918B-FDD9DDC9022B}" type="datetimeFigureOut">
               <a:rPr lang="en-GB" smtClean="0"/>
-              <a:t>19/05/2023</a:t>
+              <a:t>20/05/2023</a:t>
             </a:fld>
             <a:endParaRPr lang="en-GB"/>
           </a:p>
@@ -2162,7 +3573,7 @@
           <a:p>
             <a:fld id="{6A40F7CE-1056-4AA7-918B-FDD9DDC9022B}" type="datetimeFigureOut">
               <a:rPr lang="en-GB" smtClean="0"/>
-              <a:t>19/05/2023</a:t>
+              <a:t>20/05/2023</a:t>
             </a:fld>
             <a:endParaRPr lang="en-GB"/>
           </a:p>
@@ -2577,7 +3988,7 @@
           <a:p>
             <a:fld id="{6A40F7CE-1056-4AA7-918B-FDD9DDC9022B}" type="datetimeFigureOut">
               <a:rPr lang="en-GB" smtClean="0"/>
-              <a:t>19/05/2023</a:t>
+              <a:t>20/05/2023</a:t>
             </a:fld>
             <a:endParaRPr lang="en-GB"/>
           </a:p>
@@ -2719,7 +4130,7 @@
           <a:p>
             <a:fld id="{6A40F7CE-1056-4AA7-918B-FDD9DDC9022B}" type="datetimeFigureOut">
               <a:rPr lang="en-GB" smtClean="0"/>
-              <a:t>19/05/2023</a:t>
+              <a:t>20/05/2023</a:t>
             </a:fld>
             <a:endParaRPr lang="en-GB"/>
           </a:p>
@@ -2832,7 +4243,7 @@
           <a:p>
             <a:fld id="{6A40F7CE-1056-4AA7-918B-FDD9DDC9022B}" type="datetimeFigureOut">
               <a:rPr lang="en-GB" smtClean="0"/>
-              <a:t>19/05/2023</a:t>
+              <a:t>20/05/2023</a:t>
             </a:fld>
             <a:endParaRPr lang="en-GB"/>
           </a:p>
@@ -3145,7 +4556,7 @@
           <a:p>
             <a:fld id="{6A40F7CE-1056-4AA7-918B-FDD9DDC9022B}" type="datetimeFigureOut">
               <a:rPr lang="en-GB" smtClean="0"/>
-              <a:t>19/05/2023</a:t>
+              <a:t>20/05/2023</a:t>
             </a:fld>
             <a:endParaRPr lang="en-GB"/>
           </a:p>
@@ -3434,7 +4845,7 @@
           <a:p>
             <a:fld id="{6A40F7CE-1056-4AA7-918B-FDD9DDC9022B}" type="datetimeFigureOut">
               <a:rPr lang="en-GB" smtClean="0"/>
-              <a:t>19/05/2023</a:t>
+              <a:t>20/05/2023</a:t>
             </a:fld>
             <a:endParaRPr lang="en-GB"/>
           </a:p>
@@ -3677,7 +5088,7 @@
           <a:p>
             <a:fld id="{6A40F7CE-1056-4AA7-918B-FDD9DDC9022B}" type="datetimeFigureOut">
               <a:rPr lang="en-GB" smtClean="0"/>
-              <a:t>19/05/2023</a:t>
+              <a:t>20/05/2023</a:t>
             </a:fld>
             <a:endParaRPr lang="en-GB"/>
           </a:p>
@@ -9468,7 +10879,7 @@
           <p:nvPr/>
         </p:nvPicPr>
         <p:blipFill>
-          <a:blip r:embed="rId2"/>
+          <a:blip r:embed="rId3"/>
           <a:stretch>
             <a:fillRect/>
           </a:stretch>
@@ -10738,7 +12149,7 @@
           <p:nvPr/>
         </p:nvPicPr>
         <p:blipFill>
-          <a:blip r:embed="rId2"/>
+          <a:blip r:embed="rId3"/>
           <a:stretch>
             <a:fillRect/>
           </a:stretch>
@@ -10768,7 +12179,7 @@
           <p:nvPr/>
         </p:nvPicPr>
         <p:blipFill rotWithShape="1">
-          <a:blip r:embed="rId3"/>
+          <a:blip r:embed="rId4"/>
           <a:srcRect l="5729" r="3634" b="3"/>
           <a:stretch/>
         </p:blipFill>
@@ -10797,7 +12208,7 @@
           <p:nvPr/>
         </p:nvPicPr>
         <p:blipFill rotWithShape="1">
-          <a:blip r:embed="rId4"/>
+          <a:blip r:embed="rId5"/>
           <a:srcRect l="19036" r="10471"/>
           <a:stretch/>
         </p:blipFill>
@@ -11315,7 +12726,7 @@
           <p:nvPr/>
         </p:nvPicPr>
         <p:blipFill>
-          <a:blip r:embed="rId2"/>
+          <a:blip r:embed="rId3"/>
           <a:stretch>
             <a:fillRect/>
           </a:stretch>
@@ -11345,7 +12756,7 @@
           <p:nvPr/>
         </p:nvPicPr>
         <p:blipFill>
-          <a:blip r:embed="rId3"/>
+          <a:blip r:embed="rId4"/>
           <a:stretch>
             <a:fillRect/>
           </a:stretch>
@@ -12502,7 +13913,7 @@
           <p:nvPr/>
         </p:nvPicPr>
         <p:blipFill>
-          <a:blip r:embed="rId2"/>
+          <a:blip r:embed="rId3"/>
           <a:stretch>
             <a:fillRect/>
           </a:stretch>
@@ -13875,4 +15286,299 @@
     </a:ext>
   </a:extLst>
 </a:theme>
+</file>
+
+<file path=ppt/theme/theme2.xml><?xml version="1.0" encoding="utf-8"?>
+<a:theme xmlns:a="http://schemas.openxmlformats.org/drawingml/2006/main" name="Office Theme">
+  <a:themeElements>
+    <a:clrScheme name="Office">
+      <a:dk1>
+        <a:sysClr val="windowText" lastClr="000000"/>
+      </a:dk1>
+      <a:lt1>
+        <a:sysClr val="window" lastClr="FFFFFF"/>
+      </a:lt1>
+      <a:dk2>
+        <a:srgbClr val="44546A"/>
+      </a:dk2>
+      <a:lt2>
+        <a:srgbClr val="E7E6E6"/>
+      </a:lt2>
+      <a:accent1>
+        <a:srgbClr val="4472C4"/>
+      </a:accent1>
+      <a:accent2>
+        <a:srgbClr val="ED7D31"/>
+      </a:accent2>
+      <a:accent3>
+        <a:srgbClr val="A5A5A5"/>
+      </a:accent3>
+      <a:accent4>
+        <a:srgbClr val="FFC000"/>
+      </a:accent4>
+      <a:accent5>
+        <a:srgbClr val="5B9BD5"/>
+      </a:accent5>
+      <a:accent6>
+        <a:srgbClr val="70AD47"/>
+      </a:accent6>
+      <a:hlink>
+        <a:srgbClr val="0563C1"/>
+      </a:hlink>
+      <a:folHlink>
+        <a:srgbClr val="954F72"/>
+      </a:folHlink>
+    </a:clrScheme>
+    <a:fontScheme name="Office">
+      <a:majorFont>
+        <a:latin typeface="Calibri Light" panose="020F0302020204030204"/>
+        <a:ea typeface=""/>
+        <a:cs typeface=""/>
+        <a:font script="Jpan" typeface="游ゴシック Light"/>
+        <a:font script="Hang" typeface="맑은 고딕"/>
+        <a:font script="Hans" typeface="等线 Light"/>
+        <a:font script="Hant" typeface="新細明體"/>
+        <a:font script="Arab" typeface="Times New Roman"/>
+        <a:font script="Hebr" typeface="Times New Roman"/>
+        <a:font script="Thai" typeface="Angsana New"/>
+        <a:font script="Ethi" typeface="Nyala"/>
+        <a:font script="Beng" typeface="Vrinda"/>
+        <a:font script="Gujr" typeface="Shruti"/>
+        <a:font script="Khmr" typeface="MoolBoran"/>
+        <a:font script="Knda" typeface="Tunga"/>
+        <a:font script="Guru" typeface="Raavi"/>
+        <a:font script="Cans" typeface="Euphemia"/>
+        <a:font script="Cher" typeface="Plantagenet Cherokee"/>
+        <a:font script="Yiii" typeface="Microsoft Yi Baiti"/>
+        <a:font script="Tibt" typeface="Microsoft Himalaya"/>
+        <a:font script="Thaa" typeface="MV Boli"/>
+        <a:font script="Deva" typeface="Mangal"/>
+        <a:font script="Telu" typeface="Gautami"/>
+        <a:font script="Taml" typeface="Latha"/>
+        <a:font script="Syrc" typeface="Estrangelo Edessa"/>
+        <a:font script="Orya" typeface="Kalinga"/>
+        <a:font script="Mlym" typeface="Kartika"/>
+        <a:font script="Laoo" typeface="DokChampa"/>
+        <a:font script="Sinh" typeface="Iskoola Pota"/>
+        <a:font script="Mong" typeface="Mongolian Baiti"/>
+        <a:font script="Viet" typeface="Times New Roman"/>
+        <a:font script="Uigh" typeface="Microsoft Uighur"/>
+        <a:font script="Geor" typeface="Sylfaen"/>
+        <a:font script="Armn" typeface="Arial"/>
+        <a:font script="Bugi" typeface="Leelawadee UI"/>
+        <a:font script="Bopo" typeface="Microsoft JhengHei"/>
+        <a:font script="Java" typeface="Javanese Text"/>
+        <a:font script="Lisu" typeface="Segoe UI"/>
+        <a:font script="Mymr" typeface="Myanmar Text"/>
+        <a:font script="Nkoo" typeface="Ebrima"/>
+        <a:font script="Olck" typeface="Nirmala UI"/>
+        <a:font script="Osma" typeface="Ebrima"/>
+        <a:font script="Phag" typeface="Phagspa"/>
+        <a:font script="Syrn" typeface="Estrangelo Edessa"/>
+        <a:font script="Syrj" typeface="Estrangelo Edessa"/>
+        <a:font script="Syre" typeface="Estrangelo Edessa"/>
+        <a:font script="Sora" typeface="Nirmala UI"/>
+        <a:font script="Tale" typeface="Microsoft Tai Le"/>
+        <a:font script="Talu" typeface="Microsoft New Tai Lue"/>
+        <a:font script="Tfng" typeface="Ebrima"/>
+      </a:majorFont>
+      <a:minorFont>
+        <a:latin typeface="Calibri" panose="020F0502020204030204"/>
+        <a:ea typeface=""/>
+        <a:cs typeface=""/>
+        <a:font script="Jpan" typeface="游ゴシック"/>
+        <a:font script="Hang" typeface="맑은 고딕"/>
+        <a:font script="Hans" typeface="等线"/>
+        <a:font script="Hant" typeface="新細明體"/>
+        <a:font script="Arab" typeface="Arial"/>
+        <a:font script="Hebr" typeface="Arial"/>
+        <a:font script="Thai" typeface="Cordia New"/>
+        <a:font script="Ethi" typeface="Nyala"/>
+        <a:font script="Beng" typeface="Vrinda"/>
+        <a:font script="Gujr" typeface="Shruti"/>
+        <a:font script="Khmr" typeface="DaunPenh"/>
+        <a:font script="Knda" typeface="Tunga"/>
+        <a:font script="Guru" typeface="Raavi"/>
+        <a:font script="Cans" typeface="Euphemia"/>
+        <a:font script="Cher" typeface="Plantagenet Cherokee"/>
+        <a:font script="Yiii" typeface="Microsoft Yi Baiti"/>
+        <a:font script="Tibt" typeface="Microsoft Himalaya"/>
+        <a:font script="Thaa" typeface="MV Boli"/>
+        <a:font script="Deva" typeface="Mangal"/>
+        <a:font script="Telu" typeface="Gautami"/>
+        <a:font script="Taml" typeface="Latha"/>
+        <a:font script="Syrc" typeface="Estrangelo Edessa"/>
+        <a:font script="Orya" typeface="Kalinga"/>
+        <a:font script="Mlym" typeface="Kartika"/>
+        <a:font script="Laoo" typeface="DokChampa"/>
+        <a:font script="Sinh" typeface="Iskoola Pota"/>
+        <a:font script="Mong" typeface="Mongolian Baiti"/>
+        <a:font script="Viet" typeface="Arial"/>
+        <a:font script="Uigh" typeface="Microsoft Uighur"/>
+        <a:font script="Geor" typeface="Sylfaen"/>
+        <a:font script="Armn" typeface="Arial"/>
+        <a:font script="Bugi" typeface="Leelawadee UI"/>
+        <a:font script="Bopo" typeface="Microsoft JhengHei"/>
+        <a:font script="Java" typeface="Javanese Text"/>
+        <a:font script="Lisu" typeface="Segoe UI"/>
+        <a:font script="Mymr" typeface="Myanmar Text"/>
+        <a:font script="Nkoo" typeface="Ebrima"/>
+        <a:font script="Olck" typeface="Nirmala UI"/>
+        <a:font script="Osma" typeface="Ebrima"/>
+        <a:font script="Phag" typeface="Phagspa"/>
+        <a:font script="Syrn" typeface="Estrangelo Edessa"/>
+        <a:font script="Syrj" typeface="Estrangelo Edessa"/>
+        <a:font script="Syre" typeface="Estrangelo Edessa"/>
+        <a:font script="Sora" typeface="Nirmala UI"/>
+        <a:font script="Tale" typeface="Microsoft Tai Le"/>
+        <a:font script="Talu" typeface="Microsoft New Tai Lue"/>
+        <a:font script="Tfng" typeface="Ebrima"/>
+      </a:minorFont>
+    </a:fontScheme>
+    <a:fmtScheme name="Office">
+      <a:fillStyleLst>
+        <a:solidFill>
+          <a:schemeClr val="phClr"/>
+        </a:solidFill>
+        <a:gradFill rotWithShape="1">
+          <a:gsLst>
+            <a:gs pos="0">
+              <a:schemeClr val="phClr">
+                <a:lumMod val="110000"/>
+                <a:satMod val="105000"/>
+                <a:tint val="67000"/>
+              </a:schemeClr>
+            </a:gs>
+            <a:gs pos="50000">
+              <a:schemeClr val="phClr">
+                <a:lumMod val="105000"/>
+                <a:satMod val="103000"/>
+                <a:tint val="73000"/>
+              </a:schemeClr>
+            </a:gs>
+            <a:gs pos="100000">
+              <a:schemeClr val="phClr">
+                <a:lumMod val="105000"/>
+                <a:satMod val="109000"/>
+                <a:tint val="81000"/>
+              </a:schemeClr>
+            </a:gs>
+          </a:gsLst>
+          <a:lin ang="5400000" scaled="0"/>
+        </a:gradFill>
+        <a:gradFill rotWithShape="1">
+          <a:gsLst>
+            <a:gs pos="0">
+              <a:schemeClr val="phClr">
+                <a:satMod val="103000"/>
+                <a:lumMod val="102000"/>
+                <a:tint val="94000"/>
+              </a:schemeClr>
+            </a:gs>
+            <a:gs pos="50000">
+              <a:schemeClr val="phClr">
+                <a:satMod val="110000"/>
+                <a:lumMod val="100000"/>
+                <a:shade val="100000"/>
+              </a:schemeClr>
+            </a:gs>
+            <a:gs pos="100000">
+              <a:schemeClr val="phClr">
+                <a:lumMod val="99000"/>
+                <a:satMod val="120000"/>
+                <a:shade val="78000"/>
+              </a:schemeClr>
+            </a:gs>
+          </a:gsLst>
+          <a:lin ang="5400000" scaled="0"/>
+        </a:gradFill>
+      </a:fillStyleLst>
+      <a:lnStyleLst>
+        <a:ln w="6350" cap="flat" cmpd="sng" algn="ctr">
+          <a:solidFill>
+            <a:schemeClr val="phClr"/>
+          </a:solidFill>
+          <a:prstDash val="solid"/>
+          <a:miter lim="800000"/>
+        </a:ln>
+        <a:ln w="12700" cap="flat" cmpd="sng" algn="ctr">
+          <a:solidFill>
+            <a:schemeClr val="phClr"/>
+          </a:solidFill>
+          <a:prstDash val="solid"/>
+          <a:miter lim="800000"/>
+        </a:ln>
+        <a:ln w="19050" cap="flat" cmpd="sng" algn="ctr">
+          <a:solidFill>
+            <a:schemeClr val="phClr"/>
+          </a:solidFill>
+          <a:prstDash val="solid"/>
+          <a:miter lim="800000"/>
+        </a:ln>
+      </a:lnStyleLst>
+      <a:effectStyleLst>
+        <a:effectStyle>
+          <a:effectLst/>
+        </a:effectStyle>
+        <a:effectStyle>
+          <a:effectLst/>
+        </a:effectStyle>
+        <a:effectStyle>
+          <a:effectLst>
+            <a:outerShdw blurRad="57150" dist="19050" dir="5400000" algn="ctr" rotWithShape="0">
+              <a:srgbClr val="000000">
+                <a:alpha val="63000"/>
+              </a:srgbClr>
+            </a:outerShdw>
+          </a:effectLst>
+        </a:effectStyle>
+      </a:effectStyleLst>
+      <a:bgFillStyleLst>
+        <a:solidFill>
+          <a:schemeClr val="phClr"/>
+        </a:solidFill>
+        <a:solidFill>
+          <a:schemeClr val="phClr">
+            <a:tint val="95000"/>
+            <a:satMod val="170000"/>
+          </a:schemeClr>
+        </a:solidFill>
+        <a:gradFill rotWithShape="1">
+          <a:gsLst>
+            <a:gs pos="0">
+              <a:schemeClr val="phClr">
+                <a:tint val="93000"/>
+                <a:satMod val="150000"/>
+                <a:shade val="98000"/>
+                <a:lumMod val="102000"/>
+              </a:schemeClr>
+            </a:gs>
+            <a:gs pos="50000">
+              <a:schemeClr val="phClr">
+                <a:tint val="98000"/>
+                <a:satMod val="130000"/>
+                <a:shade val="90000"/>
+                <a:lumMod val="103000"/>
+              </a:schemeClr>
+            </a:gs>
+            <a:gs pos="100000">
+              <a:schemeClr val="phClr">
+                <a:shade val="63000"/>
+                <a:satMod val="120000"/>
+              </a:schemeClr>
+            </a:gs>
+          </a:gsLst>
+          <a:lin ang="5400000" scaled="0"/>
+        </a:gradFill>
+      </a:bgFillStyleLst>
+    </a:fmtScheme>
+  </a:themeElements>
+  <a:objectDefaults/>
+  <a:extraClrSchemeLst/>
+  <a:extLst>
+    <a:ext uri="{05A4C25C-085E-4340-85A3-A5531E510DB2}">
+      <thm15:themeFamily xmlns:thm15="http://schemas.microsoft.com/office/thememl/2012/main" name="Office Theme" id="{62F939B6-93AF-4DB8-9C6B-D6C7DFDC589F}" vid="{4A3C46E8-61CC-4603-A589-7422A47A8E4A}"/>
+    </a:ext>
+  </a:extLst>
+</a:theme>
 </file>
--- a/Documentation/MScResearchProjectPresentation_SeánÓFithcheallaigh_B00830189.pptx
+++ b/Documentation/MScResearchProjectPresentation_SeánÓFithcheallaigh_B00830189.pptx
@@ -944,7 +944,7 @@
           <a:p>
             <a:fld id="{A8417EDE-5002-433A-8CAD-066E842F3F10}" type="datetimeFigureOut">
               <a:rPr lang="en-GB" smtClean="0"/>
-              <a:t>20/05/2023</a:t>
+              <a:t>21/05/2023</a:t>
             </a:fld>
             <a:endParaRPr lang="en-GB"/>
           </a:p>
@@ -1267,7 +1267,7 @@
           <a:p>
             <a:r>
               <a:rPr lang="en-GB" dirty="0"/>
-              <a:t>I’d like to thank everyone for coming along to listen to my presentation for my MSc research project which was based on the development of a constrained device, for people with visual impairments</a:t>
+              <a:t>I’d like to thank everyone for coming along to listen to my presentation for my research project which was based on the development of a constrained device, for people with visual impairments</a:t>
             </a:r>
           </a:p>
           <a:p>
@@ -1308,6 +1308,764 @@
     <p:extLst>
       <p:ext uri="{BB962C8B-B14F-4D97-AF65-F5344CB8AC3E}">
         <p14:creationId xmlns:p14="http://schemas.microsoft.com/office/powerpoint/2010/main" val="485604089"/>
+      </p:ext>
+    </p:extLst>
+  </p:cSld>
+  <p:clrMapOvr>
+    <a:masterClrMapping/>
+  </p:clrMapOvr>
+</p:notes>
+</file>
+
+<file path=ppt/notesSlides/notesSlide10.xml><?xml version="1.0" encoding="utf-8"?>
+<p:notes xmlns:a="http://schemas.openxmlformats.org/drawingml/2006/main" xmlns:r="http://schemas.openxmlformats.org/officeDocument/2006/relationships" xmlns:p="http://schemas.openxmlformats.org/presentationml/2006/main">
+  <p:cSld>
+    <p:spTree>
+      <p:nvGrpSpPr>
+        <p:cNvPr id="1" name=""/>
+        <p:cNvGrpSpPr/>
+        <p:nvPr/>
+      </p:nvGrpSpPr>
+      <p:grpSpPr>
+        <a:xfrm>
+          <a:off x="0" y="0"/>
+          <a:ext cx="0" cy="0"/>
+          <a:chOff x="0" y="0"/>
+          <a:chExt cx="0" cy="0"/>
+        </a:xfrm>
+      </p:grpSpPr>
+      <p:sp>
+        <p:nvSpPr>
+          <p:cNvPr id="2" name="Slide Image Placeholder 1"/>
+          <p:cNvSpPr>
+            <a:spLocks noGrp="1" noRot="1" noChangeAspect="1"/>
+          </p:cNvSpPr>
+          <p:nvPr>
+            <p:ph type="sldImg"/>
+          </p:nvPr>
+        </p:nvSpPr>
+        <p:spPr/>
+      </p:sp>
+      <p:sp>
+        <p:nvSpPr>
+          <p:cNvPr id="3" name="Notes Placeholder 2"/>
+          <p:cNvSpPr>
+            <a:spLocks noGrp="1"/>
+          </p:cNvSpPr>
+          <p:nvPr>
+            <p:ph type="body" idx="1"/>
+          </p:nvPr>
+        </p:nvSpPr>
+        <p:spPr/>
+        <p:txBody>
+          <a:bodyPr/>
+          <a:lstStyle/>
+          <a:p>
+            <a:r>
+              <a:rPr lang="en-GB" dirty="0"/>
+              <a:t>After these experiments I found that a dense network consisting of 4 layers, with 2 neurons on the input layer to represent the two channels of data, 20 neurons each on the hidden layers and 10 neurons on the output layer, to </a:t>
+            </a:r>
+            <a:r>
+              <a:rPr lang="en-GB" dirty="0" err="1"/>
+              <a:t>replresent</a:t>
+            </a:r>
+            <a:r>
+              <a:rPr lang="en-GB" dirty="0"/>
+              <a:t> the 10 potential outcomes – the 9 grid positions plus no obstacles</a:t>
+            </a:r>
+          </a:p>
+          <a:p>
+            <a:endParaRPr lang="en-GB" dirty="0"/>
+          </a:p>
+          <a:p>
+            <a:r>
+              <a:rPr lang="en-GB" dirty="0"/>
+              <a:t>We can see from the scores here, particularly the f1 score, that the model preforms very well with an accuracy of 95%</a:t>
+            </a:r>
+          </a:p>
+        </p:txBody>
+      </p:sp>
+      <p:sp>
+        <p:nvSpPr>
+          <p:cNvPr id="4" name="Slide Number Placeholder 3"/>
+          <p:cNvSpPr>
+            <a:spLocks noGrp="1"/>
+          </p:cNvSpPr>
+          <p:nvPr>
+            <p:ph type="sldNum" sz="quarter" idx="5"/>
+          </p:nvPr>
+        </p:nvSpPr>
+        <p:spPr/>
+        <p:txBody>
+          <a:bodyPr/>
+          <a:lstStyle/>
+          <a:p>
+            <a:fld id="{A291FEE6-3CE6-48D3-A539-66492A8C3EBF}" type="slidenum">
+              <a:rPr lang="en-GB" smtClean="0"/>
+              <a:t>10</a:t>
+            </a:fld>
+            <a:endParaRPr lang="en-GB"/>
+          </a:p>
+        </p:txBody>
+      </p:sp>
+    </p:spTree>
+    <p:extLst>
+      <p:ext uri="{BB962C8B-B14F-4D97-AF65-F5344CB8AC3E}">
+        <p14:creationId xmlns:p14="http://schemas.microsoft.com/office/powerpoint/2010/main" val="4150774950"/>
+      </p:ext>
+    </p:extLst>
+  </p:cSld>
+  <p:clrMapOvr>
+    <a:masterClrMapping/>
+  </p:clrMapOvr>
+</p:notes>
+</file>
+
+<file path=ppt/notesSlides/notesSlide11.xml><?xml version="1.0" encoding="utf-8"?>
+<p:notes xmlns:a="http://schemas.openxmlformats.org/drawingml/2006/main" xmlns:r="http://schemas.openxmlformats.org/officeDocument/2006/relationships" xmlns:p="http://schemas.openxmlformats.org/presentationml/2006/main">
+  <p:cSld>
+    <p:spTree>
+      <p:nvGrpSpPr>
+        <p:cNvPr id="1" name=""/>
+        <p:cNvGrpSpPr/>
+        <p:nvPr/>
+      </p:nvGrpSpPr>
+      <p:grpSpPr>
+        <a:xfrm>
+          <a:off x="0" y="0"/>
+          <a:ext cx="0" cy="0"/>
+          <a:chOff x="0" y="0"/>
+          <a:chExt cx="0" cy="0"/>
+        </a:xfrm>
+      </p:grpSpPr>
+      <p:sp>
+        <p:nvSpPr>
+          <p:cNvPr id="2" name="Slide Image Placeholder 1"/>
+          <p:cNvSpPr>
+            <a:spLocks noGrp="1" noRot="1" noChangeAspect="1"/>
+          </p:cNvSpPr>
+          <p:nvPr>
+            <p:ph type="sldImg"/>
+          </p:nvPr>
+        </p:nvSpPr>
+        <p:spPr/>
+      </p:sp>
+      <p:sp>
+        <p:nvSpPr>
+          <p:cNvPr id="3" name="Notes Placeholder 2"/>
+          <p:cNvSpPr>
+            <a:spLocks noGrp="1"/>
+          </p:cNvSpPr>
+          <p:nvPr>
+            <p:ph type="body" idx="1"/>
+          </p:nvPr>
+        </p:nvSpPr>
+        <p:spPr/>
+        <p:txBody>
+          <a:bodyPr/>
+          <a:lstStyle/>
+          <a:p>
+            <a:r>
+              <a:rPr lang="en-GB" dirty="0"/>
+              <a:t>So now we move into the final phase – deploying the model onto a constrained device</a:t>
+            </a:r>
+          </a:p>
+          <a:p>
+            <a:endParaRPr lang="en-GB" dirty="0"/>
+          </a:p>
+          <a:p>
+            <a:r>
+              <a:rPr lang="en-GB" dirty="0"/>
+              <a:t>The first step to deploying the model was to convert it to a header file, or a .h file which can be done within TensorFlow</a:t>
+            </a:r>
+          </a:p>
+          <a:p>
+            <a:endParaRPr lang="en-GB" dirty="0"/>
+          </a:p>
+          <a:p>
+            <a:pPr marL="0" marR="0" lvl="0" indent="0" algn="l" defTabSz="914400" rtl="0" eaLnBrk="1" fontAlgn="auto" latinLnBrk="0" hangingPunct="1">
+              <a:lnSpc>
+                <a:spcPct val="100000"/>
+              </a:lnSpc>
+              <a:spcBef>
+                <a:spcPts val="0"/>
+              </a:spcBef>
+              <a:spcAft>
+                <a:spcPts val="0"/>
+              </a:spcAft>
+              <a:buClrTx/>
+              <a:buSzTx/>
+              <a:buFontTx/>
+              <a:buNone/>
+              <a:tabLst/>
+              <a:defRPr/>
+            </a:pPr>
+            <a:r>
+              <a:rPr lang="en-GB" dirty="0"/>
+              <a:t>Next, </a:t>
+            </a:r>
+            <a:r>
+              <a:rPr lang="en-GB" sz="1200" dirty="0"/>
+              <a:t>the header file can be imported into the microcontroller to be used with TensorFlow Lite.</a:t>
+            </a:r>
+          </a:p>
+          <a:p>
+            <a:pPr marL="0" marR="0" lvl="0" indent="0" algn="l" defTabSz="914400" rtl="0" eaLnBrk="1" fontAlgn="auto" latinLnBrk="0" hangingPunct="1">
+              <a:lnSpc>
+                <a:spcPct val="100000"/>
+              </a:lnSpc>
+              <a:spcBef>
+                <a:spcPts val="0"/>
+              </a:spcBef>
+              <a:spcAft>
+                <a:spcPts val="0"/>
+              </a:spcAft>
+              <a:buClrTx/>
+              <a:buSzTx/>
+              <a:buFontTx/>
+              <a:buNone/>
+              <a:tabLst/>
+              <a:defRPr/>
+            </a:pPr>
+            <a:endParaRPr lang="en-GB" sz="1200" dirty="0"/>
+          </a:p>
+          <a:p>
+            <a:pPr marL="0" marR="0" lvl="0" indent="0" algn="l" defTabSz="914400" rtl="0" eaLnBrk="1" fontAlgn="auto" latinLnBrk="0" hangingPunct="1">
+              <a:lnSpc>
+                <a:spcPct val="100000"/>
+              </a:lnSpc>
+              <a:spcBef>
+                <a:spcPts val="0"/>
+              </a:spcBef>
+              <a:spcAft>
+                <a:spcPts val="0"/>
+              </a:spcAft>
+              <a:buClrTx/>
+              <a:buSzTx/>
+              <a:buFontTx/>
+              <a:buNone/>
+              <a:tabLst/>
+              <a:defRPr/>
+            </a:pPr>
+            <a:r>
+              <a:rPr lang="en-GB" sz="1200" dirty="0"/>
+              <a:t>With this all completed, I carried out some tests, going back to the same objects and grid system, but I didn’t get any output from the inference.</a:t>
+            </a:r>
+          </a:p>
+          <a:p>
+            <a:pPr marL="0" marR="0" lvl="0" indent="0" algn="l" defTabSz="914400" rtl="0" eaLnBrk="1" fontAlgn="auto" latinLnBrk="0" hangingPunct="1">
+              <a:lnSpc>
+                <a:spcPct val="100000"/>
+              </a:lnSpc>
+              <a:spcBef>
+                <a:spcPts val="0"/>
+              </a:spcBef>
+              <a:spcAft>
+                <a:spcPts val="0"/>
+              </a:spcAft>
+              <a:buClrTx/>
+              <a:buSzTx/>
+              <a:buFontTx/>
+              <a:buNone/>
+              <a:tabLst/>
+              <a:defRPr/>
+            </a:pPr>
+            <a:endParaRPr lang="en-GB" sz="1200" dirty="0"/>
+          </a:p>
+          <a:p>
+            <a:pPr marL="0" marR="0" lvl="0" indent="0" algn="l" defTabSz="914400" rtl="0" eaLnBrk="1" fontAlgn="auto" latinLnBrk="0" hangingPunct="1">
+              <a:lnSpc>
+                <a:spcPct val="100000"/>
+              </a:lnSpc>
+              <a:spcBef>
+                <a:spcPts val="0"/>
+              </a:spcBef>
+              <a:spcAft>
+                <a:spcPts val="0"/>
+              </a:spcAft>
+              <a:buClrTx/>
+              <a:buSzTx/>
+              <a:buFontTx/>
+              <a:buNone/>
+              <a:tabLst/>
+              <a:defRPr/>
+            </a:pPr>
+            <a:r>
+              <a:rPr lang="en-GB" sz="1200" dirty="0"/>
+              <a:t>Investigations and research pointed towards the possibility that the shape of the data being passed for inference was wrong.</a:t>
+            </a:r>
+          </a:p>
+          <a:p>
+            <a:pPr marL="0" marR="0" lvl="0" indent="0" algn="l" defTabSz="914400" rtl="0" eaLnBrk="1" fontAlgn="auto" latinLnBrk="0" hangingPunct="1">
+              <a:lnSpc>
+                <a:spcPct val="100000"/>
+              </a:lnSpc>
+              <a:spcBef>
+                <a:spcPts val="0"/>
+              </a:spcBef>
+              <a:spcAft>
+                <a:spcPts val="0"/>
+              </a:spcAft>
+              <a:buClrTx/>
+              <a:buSzTx/>
+              <a:buFontTx/>
+              <a:buNone/>
+              <a:tabLst/>
+              <a:defRPr/>
+            </a:pPr>
+            <a:r>
+              <a:rPr lang="en-GB" sz="1200" dirty="0"/>
+              <a:t>This was investigated further to understand what the shape should be, and the code was modified to take this shape into account.</a:t>
+            </a:r>
+          </a:p>
+          <a:p>
+            <a:pPr marL="0" marR="0" lvl="0" indent="0" algn="l" defTabSz="914400" rtl="0" eaLnBrk="1" fontAlgn="auto" latinLnBrk="0" hangingPunct="1">
+              <a:lnSpc>
+                <a:spcPct val="100000"/>
+              </a:lnSpc>
+              <a:spcBef>
+                <a:spcPts val="0"/>
+              </a:spcBef>
+              <a:spcAft>
+                <a:spcPts val="0"/>
+              </a:spcAft>
+              <a:buClrTx/>
+              <a:buSzTx/>
+              <a:buFontTx/>
+              <a:buNone/>
+              <a:tabLst/>
+              <a:defRPr/>
+            </a:pPr>
+            <a:r>
+              <a:rPr lang="en-GB" sz="1200" dirty="0"/>
+              <a:t>I also modified the code to strip it back to as simple a system as possible, so I put data used for training the models into two separate header files which could be imported and passed into the input tensor for inference</a:t>
+            </a:r>
+          </a:p>
+          <a:p>
+            <a:pPr marL="0" marR="0" lvl="0" indent="0" algn="l" defTabSz="914400" rtl="0" eaLnBrk="1" fontAlgn="auto" latinLnBrk="0" hangingPunct="1">
+              <a:lnSpc>
+                <a:spcPct val="100000"/>
+              </a:lnSpc>
+              <a:spcBef>
+                <a:spcPts val="0"/>
+              </a:spcBef>
+              <a:spcAft>
+                <a:spcPts val="0"/>
+              </a:spcAft>
+              <a:buClrTx/>
+              <a:buSzTx/>
+              <a:buFontTx/>
+              <a:buNone/>
+              <a:tabLst/>
+              <a:defRPr/>
+            </a:pPr>
+            <a:endParaRPr lang="en-GB" sz="1200" dirty="0"/>
+          </a:p>
+          <a:p>
+            <a:pPr marL="0" marR="0" lvl="0" indent="0" algn="l" defTabSz="914400" rtl="0" eaLnBrk="1" fontAlgn="auto" latinLnBrk="0" hangingPunct="1">
+              <a:lnSpc>
+                <a:spcPct val="100000"/>
+              </a:lnSpc>
+              <a:spcBef>
+                <a:spcPts val="0"/>
+              </a:spcBef>
+              <a:spcAft>
+                <a:spcPts val="0"/>
+              </a:spcAft>
+              <a:buClrTx/>
+              <a:buSzTx/>
+              <a:buFontTx/>
+              <a:buNone/>
+              <a:tabLst/>
+              <a:defRPr/>
+            </a:pPr>
+            <a:r>
+              <a:rPr lang="en-GB" sz="1200" dirty="0"/>
+              <a:t>The system started to produce results, but it also retuned the same grid number, or series of grid numbers no matter what data was passed to it.</a:t>
+            </a:r>
+          </a:p>
+          <a:p>
+            <a:pPr marL="0" marR="0" lvl="0" indent="0" algn="l" defTabSz="914400" rtl="0" eaLnBrk="1" fontAlgn="auto" latinLnBrk="0" hangingPunct="1">
+              <a:lnSpc>
+                <a:spcPct val="100000"/>
+              </a:lnSpc>
+              <a:spcBef>
+                <a:spcPts val="0"/>
+              </a:spcBef>
+              <a:spcAft>
+                <a:spcPts val="0"/>
+              </a:spcAft>
+              <a:buClrTx/>
+              <a:buSzTx/>
+              <a:buFontTx/>
+              <a:buNone/>
+              <a:tabLst/>
+              <a:defRPr/>
+            </a:pPr>
+            <a:endParaRPr lang="en-GB" sz="1200" dirty="0"/>
+          </a:p>
+          <a:p>
+            <a:pPr marL="0" marR="0" lvl="0" indent="0" algn="l" defTabSz="914400" rtl="0" eaLnBrk="1" fontAlgn="auto" latinLnBrk="0" hangingPunct="1">
+              <a:lnSpc>
+                <a:spcPct val="100000"/>
+              </a:lnSpc>
+              <a:spcBef>
+                <a:spcPts val="0"/>
+              </a:spcBef>
+              <a:spcAft>
+                <a:spcPts val="0"/>
+              </a:spcAft>
+              <a:buClrTx/>
+              <a:buSzTx/>
+              <a:buFontTx/>
+              <a:buNone/>
+              <a:tabLst/>
+              <a:defRPr/>
+            </a:pPr>
+            <a:endParaRPr lang="en-GB" sz="1200" dirty="0"/>
+          </a:p>
+          <a:p>
+            <a:pPr marL="0" marR="0" lvl="0" indent="0" algn="l" defTabSz="914400" rtl="0" eaLnBrk="1" fontAlgn="auto" latinLnBrk="0" hangingPunct="1">
+              <a:lnSpc>
+                <a:spcPct val="100000"/>
+              </a:lnSpc>
+              <a:spcBef>
+                <a:spcPts val="0"/>
+              </a:spcBef>
+              <a:spcAft>
+                <a:spcPts val="0"/>
+              </a:spcAft>
+              <a:buClrTx/>
+              <a:buSzTx/>
+              <a:buFontTx/>
+              <a:buNone/>
+              <a:tabLst/>
+              <a:defRPr/>
+            </a:pPr>
+            <a:endParaRPr lang="en-GB" sz="1200" dirty="0"/>
+          </a:p>
+          <a:p>
+            <a:pPr marL="0" marR="0" lvl="0" indent="0" algn="l" defTabSz="914400" rtl="0" eaLnBrk="1" fontAlgn="auto" latinLnBrk="0" hangingPunct="1">
+              <a:lnSpc>
+                <a:spcPct val="100000"/>
+              </a:lnSpc>
+              <a:spcBef>
+                <a:spcPts val="0"/>
+              </a:spcBef>
+              <a:spcAft>
+                <a:spcPts val="0"/>
+              </a:spcAft>
+              <a:buClrTx/>
+              <a:buSzTx/>
+              <a:buFontTx/>
+              <a:buNone/>
+              <a:tabLst/>
+              <a:defRPr/>
+            </a:pPr>
+            <a:endParaRPr lang="en-GB" sz="1200" dirty="0"/>
+          </a:p>
+          <a:p>
+            <a:endParaRPr lang="en-GB" dirty="0"/>
+          </a:p>
+        </p:txBody>
+      </p:sp>
+      <p:sp>
+        <p:nvSpPr>
+          <p:cNvPr id="4" name="Slide Number Placeholder 3"/>
+          <p:cNvSpPr>
+            <a:spLocks noGrp="1"/>
+          </p:cNvSpPr>
+          <p:nvPr>
+            <p:ph type="sldNum" sz="quarter" idx="5"/>
+          </p:nvPr>
+        </p:nvSpPr>
+        <p:spPr/>
+        <p:txBody>
+          <a:bodyPr/>
+          <a:lstStyle/>
+          <a:p>
+            <a:fld id="{A291FEE6-3CE6-48D3-A539-66492A8C3EBF}" type="slidenum">
+              <a:rPr lang="en-GB" smtClean="0"/>
+              <a:t>11</a:t>
+            </a:fld>
+            <a:endParaRPr lang="en-GB"/>
+          </a:p>
+        </p:txBody>
+      </p:sp>
+    </p:spTree>
+    <p:extLst>
+      <p:ext uri="{BB962C8B-B14F-4D97-AF65-F5344CB8AC3E}">
+        <p14:creationId xmlns:p14="http://schemas.microsoft.com/office/powerpoint/2010/main" val="1474077640"/>
+      </p:ext>
+    </p:extLst>
+  </p:cSld>
+  <p:clrMapOvr>
+    <a:masterClrMapping/>
+  </p:clrMapOvr>
+</p:notes>
+</file>
+
+<file path=ppt/notesSlides/notesSlide12.xml><?xml version="1.0" encoding="utf-8"?>
+<p:notes xmlns:a="http://schemas.openxmlformats.org/drawingml/2006/main" xmlns:r="http://schemas.openxmlformats.org/officeDocument/2006/relationships" xmlns:p="http://schemas.openxmlformats.org/presentationml/2006/main">
+  <p:cSld>
+    <p:spTree>
+      <p:nvGrpSpPr>
+        <p:cNvPr id="1" name=""/>
+        <p:cNvGrpSpPr/>
+        <p:nvPr/>
+      </p:nvGrpSpPr>
+      <p:grpSpPr>
+        <a:xfrm>
+          <a:off x="0" y="0"/>
+          <a:ext cx="0" cy="0"/>
+          <a:chOff x="0" y="0"/>
+          <a:chExt cx="0" cy="0"/>
+        </a:xfrm>
+      </p:grpSpPr>
+      <p:sp>
+        <p:nvSpPr>
+          <p:cNvPr id="2" name="Slide Image Placeholder 1"/>
+          <p:cNvSpPr>
+            <a:spLocks noGrp="1" noRot="1" noChangeAspect="1"/>
+          </p:cNvSpPr>
+          <p:nvPr>
+            <p:ph type="sldImg"/>
+          </p:nvPr>
+        </p:nvSpPr>
+        <p:spPr/>
+      </p:sp>
+      <p:sp>
+        <p:nvSpPr>
+          <p:cNvPr id="3" name="Notes Placeholder 2"/>
+          <p:cNvSpPr>
+            <a:spLocks noGrp="1"/>
+          </p:cNvSpPr>
+          <p:nvPr>
+            <p:ph type="body" idx="1"/>
+          </p:nvPr>
+        </p:nvSpPr>
+        <p:spPr/>
+        <p:txBody>
+          <a:bodyPr/>
+          <a:lstStyle/>
+          <a:p>
+            <a:r>
+              <a:rPr lang="en-GB" dirty="0"/>
+              <a:t>So, to review:</a:t>
+            </a:r>
+          </a:p>
+          <a:p>
+            <a:endParaRPr lang="en-GB" dirty="0"/>
+          </a:p>
+          <a:p>
+            <a:pPr marL="171450" marR="0" lvl="0" indent="-171450" algn="l" defTabSz="914400" rtl="0" eaLnBrk="1" fontAlgn="auto" latinLnBrk="0" hangingPunct="1">
+              <a:lnSpc>
+                <a:spcPct val="100000"/>
+              </a:lnSpc>
+              <a:spcBef>
+                <a:spcPts val="0"/>
+              </a:spcBef>
+              <a:spcAft>
+                <a:spcPts val="0"/>
+              </a:spcAft>
+              <a:buClrTx/>
+              <a:buSzTx/>
+              <a:buFont typeface="Arial" panose="020B0604020202020204" pitchFamily="34" charset="0"/>
+              <a:buChar char="•"/>
+              <a:tabLst/>
+              <a:defRPr/>
+            </a:pPr>
+            <a:r>
+              <a:rPr lang="en-GB" sz="1200" dirty="0"/>
+              <a:t>A large dataset was created by gathering ultrasonic distance data from a number of obstacles using a grid system</a:t>
+            </a:r>
+          </a:p>
+          <a:p>
+            <a:pPr marL="171450" indent="-171450">
+              <a:buFont typeface="Arial" panose="020B0604020202020204" pitchFamily="34" charset="0"/>
+              <a:buChar char="•"/>
+            </a:pPr>
+            <a:endParaRPr lang="en-GB" dirty="0"/>
+          </a:p>
+          <a:p>
+            <a:pPr marL="171450" marR="0" lvl="0" indent="-171450" algn="l" defTabSz="914400" rtl="0" eaLnBrk="1" fontAlgn="auto" latinLnBrk="0" hangingPunct="1">
+              <a:lnSpc>
+                <a:spcPct val="100000"/>
+              </a:lnSpc>
+              <a:spcBef>
+                <a:spcPts val="0"/>
+              </a:spcBef>
+              <a:spcAft>
+                <a:spcPts val="0"/>
+              </a:spcAft>
+              <a:buClrTx/>
+              <a:buSzTx/>
+              <a:buFont typeface="Arial" panose="020B0604020202020204" pitchFamily="34" charset="0"/>
+              <a:buChar char="•"/>
+              <a:tabLst/>
+              <a:defRPr/>
+            </a:pPr>
+            <a:r>
+              <a:rPr lang="en-GB" sz="1200" dirty="0"/>
+              <a:t>Initial analysis indicated that detecting obstacles was possible, but standard machine learning techniques alone were not sufficient</a:t>
+            </a:r>
+          </a:p>
+          <a:p>
+            <a:pPr marL="171450" indent="-171450">
+              <a:buFont typeface="Arial" panose="020B0604020202020204" pitchFamily="34" charset="0"/>
+              <a:buChar char="•"/>
+            </a:pPr>
+            <a:endParaRPr lang="en-GB" dirty="0"/>
+          </a:p>
+          <a:p>
+            <a:pPr marL="171450" marR="0" lvl="0" indent="-171450" algn="l" defTabSz="914400" rtl="0" eaLnBrk="1" fontAlgn="auto" latinLnBrk="0" hangingPunct="1">
+              <a:lnSpc>
+                <a:spcPct val="100000"/>
+              </a:lnSpc>
+              <a:spcBef>
+                <a:spcPts val="0"/>
+              </a:spcBef>
+              <a:spcAft>
+                <a:spcPts val="0"/>
+              </a:spcAft>
+              <a:buClrTx/>
+              <a:buSzTx/>
+              <a:buFont typeface="Arial" panose="020B0604020202020204" pitchFamily="34" charset="0"/>
+              <a:buChar char="•"/>
+              <a:tabLst/>
+              <a:defRPr/>
+            </a:pPr>
+            <a:r>
+              <a:rPr lang="en-GB" sz="1200" dirty="0"/>
+              <a:t>Initial development of neural network proved promising with good accuracy scores</a:t>
+            </a:r>
+          </a:p>
+          <a:p>
+            <a:pPr marL="171450" indent="-171450">
+              <a:buFont typeface="Arial" panose="020B0604020202020204" pitchFamily="34" charset="0"/>
+              <a:buChar char="•"/>
+            </a:pPr>
+            <a:endParaRPr lang="en-GB" dirty="0"/>
+          </a:p>
+          <a:p>
+            <a:pPr marL="171450" marR="0" lvl="0" indent="-171450" algn="l" defTabSz="914400" rtl="0" eaLnBrk="1" fontAlgn="auto" latinLnBrk="0" hangingPunct="1">
+              <a:lnSpc>
+                <a:spcPct val="100000"/>
+              </a:lnSpc>
+              <a:spcBef>
+                <a:spcPts val="0"/>
+              </a:spcBef>
+              <a:spcAft>
+                <a:spcPts val="0"/>
+              </a:spcAft>
+              <a:buClrTx/>
+              <a:buSzTx/>
+              <a:buFont typeface="Arial" panose="020B0604020202020204" pitchFamily="34" charset="0"/>
+              <a:buChar char="•"/>
+              <a:tabLst/>
+              <a:defRPr/>
+            </a:pPr>
+            <a:r>
+              <a:rPr lang="en-GB" sz="1200" dirty="0"/>
+              <a:t>Deploying the model onto the constrained device generated several challenges, which have not been fully overcome</a:t>
+            </a:r>
+          </a:p>
+          <a:p>
+            <a:pPr marL="171450" indent="-171450">
+              <a:buFont typeface="Arial" panose="020B0604020202020204" pitchFamily="34" charset="0"/>
+              <a:buChar char="•"/>
+            </a:pPr>
+            <a:endParaRPr lang="en-GB" dirty="0"/>
+          </a:p>
+          <a:p>
+            <a:pPr marL="171450" marR="0" lvl="0" indent="-171450" algn="l" defTabSz="914400" rtl="0" eaLnBrk="1" fontAlgn="auto" latinLnBrk="0" hangingPunct="1">
+              <a:lnSpc>
+                <a:spcPct val="100000"/>
+              </a:lnSpc>
+              <a:spcBef>
+                <a:spcPts val="0"/>
+              </a:spcBef>
+              <a:spcAft>
+                <a:spcPts val="0"/>
+              </a:spcAft>
+              <a:buClrTx/>
+              <a:buSzTx/>
+              <a:buFont typeface="Arial" panose="020B0604020202020204" pitchFamily="34" charset="0"/>
+              <a:buChar char="•"/>
+              <a:tabLst/>
+              <a:defRPr/>
+            </a:pPr>
+            <a:r>
+              <a:rPr lang="en-GB" sz="1200" dirty="0"/>
+              <a:t>If these challenges could be overcome, this work has shown the potential to develop a system which could be used by people with visual impairments to navigate an unfamiliar indoor environment</a:t>
+            </a:r>
+          </a:p>
+          <a:p>
+            <a:pPr marL="171450" indent="-171450">
+              <a:buFont typeface="Arial" panose="020B0604020202020204" pitchFamily="34" charset="0"/>
+              <a:buChar char="•"/>
+            </a:pPr>
+            <a:endParaRPr lang="en-GB" dirty="0"/>
+          </a:p>
+          <a:p>
+            <a:pPr marL="171450" marR="0" lvl="0" indent="-171450" algn="l" defTabSz="914400" rtl="0" eaLnBrk="1" fontAlgn="auto" latinLnBrk="0" hangingPunct="1">
+              <a:lnSpc>
+                <a:spcPct val="100000"/>
+              </a:lnSpc>
+              <a:spcBef>
+                <a:spcPts val="0"/>
+              </a:spcBef>
+              <a:spcAft>
+                <a:spcPts val="0"/>
+              </a:spcAft>
+              <a:buClrTx/>
+              <a:buSzTx/>
+              <a:buFont typeface="Arial" panose="020B0604020202020204" pitchFamily="34" charset="0"/>
+              <a:buChar char="•"/>
+              <a:tabLst/>
+              <a:defRPr/>
+            </a:pPr>
+            <a:r>
+              <a:rPr lang="en-GB" sz="1200" dirty="0"/>
+              <a:t>To confirm this, further development of the neural network would need to be carried out by repeating the processing of passing unseen or hold out data to the network to fully understand the performance</a:t>
+            </a:r>
+          </a:p>
+          <a:p>
+            <a:pPr marL="171450" indent="-171450">
+              <a:buFont typeface="Arial" panose="020B0604020202020204" pitchFamily="34" charset="0"/>
+              <a:buChar char="•"/>
+            </a:pPr>
+            <a:endParaRPr lang="en-GB" dirty="0"/>
+          </a:p>
+        </p:txBody>
+      </p:sp>
+      <p:sp>
+        <p:nvSpPr>
+          <p:cNvPr id="4" name="Slide Number Placeholder 3"/>
+          <p:cNvSpPr>
+            <a:spLocks noGrp="1"/>
+          </p:cNvSpPr>
+          <p:nvPr>
+            <p:ph type="sldNum" sz="quarter" idx="5"/>
+          </p:nvPr>
+        </p:nvSpPr>
+        <p:spPr/>
+        <p:txBody>
+          <a:bodyPr/>
+          <a:lstStyle/>
+          <a:p>
+            <a:fld id="{A291FEE6-3CE6-48D3-A539-66492A8C3EBF}" type="slidenum">
+              <a:rPr lang="en-GB" smtClean="0"/>
+              <a:t>12</a:t>
+            </a:fld>
+            <a:endParaRPr lang="en-GB"/>
+          </a:p>
+        </p:txBody>
+      </p:sp>
+    </p:spTree>
+    <p:extLst>
+      <p:ext uri="{BB962C8B-B14F-4D97-AF65-F5344CB8AC3E}">
+        <p14:creationId xmlns:p14="http://schemas.microsoft.com/office/powerpoint/2010/main" val="3832649637"/>
       </p:ext>
     </p:extLst>
   </p:cSld>
@@ -1373,6 +2131,15 @@
             <a:r>
               <a:rPr lang="en-GB" dirty="0"/>
               <a:t>We’ll start off with a quick discussion on the background of my project and talk about some of the related work</a:t>
+            </a:r>
+          </a:p>
+          <a:p>
+            <a:endParaRPr lang="en-GB" dirty="0"/>
+          </a:p>
+          <a:p>
+            <a:r>
+              <a:rPr lang="en-GB" dirty="0"/>
+              <a:t>I will discuss the aims and objectives</a:t>
             </a:r>
           </a:p>
           <a:p>
@@ -1973,7 +2740,7 @@
           <a:p>
             <a:r>
               <a:rPr lang="en-GB" dirty="0"/>
-              <a:t>Several large object were selected for the data collection, specifically a large bin, a storage box, a display stand and a closed door – large items that you might find in a hallway in an office say.</a:t>
+              <a:t>Several large object were selected for the data collection, specifically a large bin, a storage box, a display stand and a closed door – obstacles that you might find in a hallway in an office say.</a:t>
             </a:r>
           </a:p>
           <a:p>
@@ -2224,13 +2991,29 @@
           <a:p>
             <a:r>
               <a:rPr lang="en-GB" dirty="0"/>
-              <a:t>To do this I trained the algorithms in three of the data sets, leaving 1 dataset out. This 1 dataset would then be used to test the model. This meant the that models would never have “seen” </a:t>
-            </a:r>
-            <a:r>
-              <a:rPr lang="en-GB"/>
-              <a:t>this data</a:t>
-            </a:r>
+              <a:t>To do this I trained the algorithms in three of the data sets, leaving 1 dataset out. This 1 dataset would then be used to test the model. This meant that models would never have “seen” this data.</a:t>
+            </a:r>
+          </a:p>
+          <a:p>
+            <a:r>
+              <a:rPr lang="en-GB" dirty="0"/>
+              <a:t>This dataset left out was rotated, so one dataset was left out once.</a:t>
+            </a:r>
+          </a:p>
+          <a:p>
             <a:endParaRPr lang="en-GB" dirty="0"/>
+          </a:p>
+          <a:p>
+            <a:r>
+              <a:rPr lang="en-GB" dirty="0"/>
+              <a:t>As before, I ran the data to see if an object could be detected at all, that’s the binary search, and we can see that the accuracy results during training are 100% for the DT and KNN algorithms. </a:t>
+            </a:r>
+          </a:p>
+          <a:p>
+            <a:r>
+              <a:rPr lang="en-GB" dirty="0"/>
+              <a:t>During the test phase, we can see that there is generally, a slight reduction in the accuracy scores.</a:t>
+            </a:r>
           </a:p>
         </p:txBody>
       </p:sp>
@@ -2261,6 +3044,239 @@
     <p:extLst>
       <p:ext uri="{BB962C8B-B14F-4D97-AF65-F5344CB8AC3E}">
         <p14:creationId xmlns:p14="http://schemas.microsoft.com/office/powerpoint/2010/main" val="187860247"/>
+      </p:ext>
+    </p:extLst>
+  </p:cSld>
+  <p:clrMapOvr>
+    <a:masterClrMapping/>
+  </p:clrMapOvr>
+</p:notes>
+</file>
+
+<file path=ppt/notesSlides/notesSlide8.xml><?xml version="1.0" encoding="utf-8"?>
+<p:notes xmlns:a="http://schemas.openxmlformats.org/drawingml/2006/main" xmlns:r="http://schemas.openxmlformats.org/officeDocument/2006/relationships" xmlns:p="http://schemas.openxmlformats.org/presentationml/2006/main">
+  <p:cSld>
+    <p:spTree>
+      <p:nvGrpSpPr>
+        <p:cNvPr id="1" name=""/>
+        <p:cNvGrpSpPr/>
+        <p:nvPr/>
+      </p:nvGrpSpPr>
+      <p:grpSpPr>
+        <a:xfrm>
+          <a:off x="0" y="0"/>
+          <a:ext cx="0" cy="0"/>
+          <a:chOff x="0" y="0"/>
+          <a:chExt cx="0" cy="0"/>
+        </a:xfrm>
+      </p:grpSpPr>
+      <p:sp>
+        <p:nvSpPr>
+          <p:cNvPr id="2" name="Slide Image Placeholder 1"/>
+          <p:cNvSpPr>
+            <a:spLocks noGrp="1" noRot="1" noChangeAspect="1"/>
+          </p:cNvSpPr>
+          <p:nvPr>
+            <p:ph type="sldImg"/>
+          </p:nvPr>
+        </p:nvSpPr>
+        <p:spPr/>
+      </p:sp>
+      <p:sp>
+        <p:nvSpPr>
+          <p:cNvPr id="3" name="Notes Placeholder 2"/>
+          <p:cNvSpPr>
+            <a:spLocks noGrp="1"/>
+          </p:cNvSpPr>
+          <p:nvPr>
+            <p:ph type="body" idx="1"/>
+          </p:nvPr>
+        </p:nvSpPr>
+        <p:spPr/>
+        <p:txBody>
+          <a:bodyPr/>
+          <a:lstStyle/>
+          <a:p>
+            <a:r>
+              <a:rPr lang="en-GB" dirty="0"/>
+              <a:t>The same was done for the grid analysis, and we can see an even bigger reduction in the accuracy scores during the testing phase.</a:t>
+            </a:r>
+          </a:p>
+          <a:p>
+            <a:endParaRPr lang="en-GB" dirty="0"/>
+          </a:p>
+          <a:p>
+            <a:r>
+              <a:rPr lang="en-GB" dirty="0"/>
+              <a:t>So, this analysis shows that what you might call standard classification algorithms have good accuracy scores when trying to determine if there is an object present or not, but they struggle when trying to detect an object from the grid data</a:t>
+            </a:r>
+          </a:p>
+          <a:p>
+            <a:endParaRPr lang="en-GB" dirty="0"/>
+          </a:p>
+          <a:p>
+            <a:r>
+              <a:rPr lang="en-GB" dirty="0"/>
+              <a:t>So, a new approach, neural networks were investigated</a:t>
+            </a:r>
+          </a:p>
+        </p:txBody>
+      </p:sp>
+      <p:sp>
+        <p:nvSpPr>
+          <p:cNvPr id="4" name="Slide Number Placeholder 3"/>
+          <p:cNvSpPr>
+            <a:spLocks noGrp="1"/>
+          </p:cNvSpPr>
+          <p:nvPr>
+            <p:ph type="sldNum" sz="quarter" idx="5"/>
+          </p:nvPr>
+        </p:nvSpPr>
+        <p:spPr/>
+        <p:txBody>
+          <a:bodyPr/>
+          <a:lstStyle/>
+          <a:p>
+            <a:fld id="{A291FEE6-3CE6-48D3-A539-66492A8C3EBF}" type="slidenum">
+              <a:rPr lang="en-GB" smtClean="0"/>
+              <a:t>8</a:t>
+            </a:fld>
+            <a:endParaRPr lang="en-GB"/>
+          </a:p>
+        </p:txBody>
+      </p:sp>
+    </p:spTree>
+    <p:extLst>
+      <p:ext uri="{BB962C8B-B14F-4D97-AF65-F5344CB8AC3E}">
+        <p14:creationId xmlns:p14="http://schemas.microsoft.com/office/powerpoint/2010/main" val="851501778"/>
+      </p:ext>
+    </p:extLst>
+  </p:cSld>
+  <p:clrMapOvr>
+    <a:masterClrMapping/>
+  </p:clrMapOvr>
+</p:notes>
+</file>
+
+<file path=ppt/notesSlides/notesSlide9.xml><?xml version="1.0" encoding="utf-8"?>
+<p:notes xmlns:a="http://schemas.openxmlformats.org/drawingml/2006/main" xmlns:r="http://schemas.openxmlformats.org/officeDocument/2006/relationships" xmlns:p="http://schemas.openxmlformats.org/presentationml/2006/main">
+  <p:cSld>
+    <p:spTree>
+      <p:nvGrpSpPr>
+        <p:cNvPr id="1" name=""/>
+        <p:cNvGrpSpPr/>
+        <p:nvPr/>
+      </p:nvGrpSpPr>
+      <p:grpSpPr>
+        <a:xfrm>
+          <a:off x="0" y="0"/>
+          <a:ext cx="0" cy="0"/>
+          <a:chOff x="0" y="0"/>
+          <a:chExt cx="0" cy="0"/>
+        </a:xfrm>
+      </p:grpSpPr>
+      <p:sp>
+        <p:nvSpPr>
+          <p:cNvPr id="2" name="Slide Image Placeholder 1"/>
+          <p:cNvSpPr>
+            <a:spLocks noGrp="1" noRot="1" noChangeAspect="1"/>
+          </p:cNvSpPr>
+          <p:nvPr>
+            <p:ph type="sldImg"/>
+          </p:nvPr>
+        </p:nvSpPr>
+        <p:spPr/>
+      </p:sp>
+      <p:sp>
+        <p:nvSpPr>
+          <p:cNvPr id="3" name="Notes Placeholder 2"/>
+          <p:cNvSpPr>
+            <a:spLocks noGrp="1"/>
+          </p:cNvSpPr>
+          <p:nvPr>
+            <p:ph type="body" idx="1"/>
+          </p:nvPr>
+        </p:nvSpPr>
+        <p:spPr/>
+        <p:txBody>
+          <a:bodyPr/>
+          <a:lstStyle/>
+          <a:p>
+            <a:r>
+              <a:rPr lang="en-GB" dirty="0"/>
+              <a:t>I used the </a:t>
+            </a:r>
+            <a:r>
+              <a:rPr lang="en-GB" dirty="0" err="1"/>
+              <a:t>Keras</a:t>
+            </a:r>
+            <a:r>
+              <a:rPr lang="en-GB" dirty="0"/>
+              <a:t> framework from TensorFlow to build a dense neural network.</a:t>
+            </a:r>
+          </a:p>
+          <a:p>
+            <a:endParaRPr lang="en-GB" dirty="0"/>
+          </a:p>
+          <a:p>
+            <a:r>
+              <a:rPr lang="en-GB" dirty="0"/>
+              <a:t>I varied the hyperparameters of the network to try and find the best accuracy and loss scores, and the image on the left here is just to give an idea of that process.</a:t>
+            </a:r>
+          </a:p>
+          <a:p>
+            <a:endParaRPr lang="en-GB" dirty="0"/>
+          </a:p>
+          <a:p>
+            <a:r>
+              <a:rPr lang="en-GB" dirty="0"/>
+              <a:t>The parameters I varied were the number of layers and the number of neurons, the learning late, the batch size, epochs and the optimisers</a:t>
+            </a:r>
+          </a:p>
+          <a:p>
+            <a:endParaRPr lang="en-GB" dirty="0"/>
+          </a:p>
+          <a:p>
+            <a:r>
+              <a:rPr lang="en-GB" dirty="0"/>
+              <a:t>A series of experiments were done, and all the results were logged in tables like this</a:t>
+            </a:r>
+          </a:p>
+          <a:p>
+            <a:endParaRPr lang="en-GB" dirty="0"/>
+          </a:p>
+          <a:p>
+            <a:endParaRPr lang="en-GB" dirty="0"/>
+          </a:p>
+        </p:txBody>
+      </p:sp>
+      <p:sp>
+        <p:nvSpPr>
+          <p:cNvPr id="4" name="Slide Number Placeholder 3"/>
+          <p:cNvSpPr>
+            <a:spLocks noGrp="1"/>
+          </p:cNvSpPr>
+          <p:nvPr>
+            <p:ph type="sldNum" sz="quarter" idx="5"/>
+          </p:nvPr>
+        </p:nvSpPr>
+        <p:spPr/>
+        <p:txBody>
+          <a:bodyPr/>
+          <a:lstStyle/>
+          <a:p>
+            <a:fld id="{A291FEE6-3CE6-48D3-A539-66492A8C3EBF}" type="slidenum">
+              <a:rPr lang="en-GB" smtClean="0"/>
+              <a:t>9</a:t>
+            </a:fld>
+            <a:endParaRPr lang="en-GB"/>
+          </a:p>
+        </p:txBody>
+      </p:sp>
+    </p:spTree>
+    <p:extLst>
+      <p:ext uri="{BB962C8B-B14F-4D97-AF65-F5344CB8AC3E}">
+        <p14:creationId xmlns:p14="http://schemas.microsoft.com/office/powerpoint/2010/main" val="1418818566"/>
       </p:ext>
     </p:extLst>
   </p:cSld>
@@ -2419,7 +3435,7 @@
           <a:p>
             <a:fld id="{6A40F7CE-1056-4AA7-918B-FDD9DDC9022B}" type="datetimeFigureOut">
               <a:rPr lang="en-GB" smtClean="0"/>
-              <a:t>20/05/2023</a:t>
+              <a:t>21/05/2023</a:t>
             </a:fld>
             <a:endParaRPr lang="en-GB"/>
           </a:p>
@@ -2619,7 +3635,7 @@
           <a:p>
             <a:fld id="{6A40F7CE-1056-4AA7-918B-FDD9DDC9022B}" type="datetimeFigureOut">
               <a:rPr lang="en-GB" smtClean="0"/>
-              <a:t>20/05/2023</a:t>
+              <a:t>21/05/2023</a:t>
             </a:fld>
             <a:endParaRPr lang="en-GB"/>
           </a:p>
@@ -2829,7 +3845,7 @@
           <a:p>
             <a:fld id="{6A40F7CE-1056-4AA7-918B-FDD9DDC9022B}" type="datetimeFigureOut">
               <a:rPr lang="en-GB" smtClean="0"/>
-              <a:t>20/05/2023</a:t>
+              <a:t>21/05/2023</a:t>
             </a:fld>
             <a:endParaRPr lang="en-GB"/>
           </a:p>
@@ -3029,7 +4045,7 @@
           <a:p>
             <a:fld id="{6A40F7CE-1056-4AA7-918B-FDD9DDC9022B}" type="datetimeFigureOut">
               <a:rPr lang="en-GB" smtClean="0"/>
-              <a:t>20/05/2023</a:t>
+              <a:t>21/05/2023</a:t>
             </a:fld>
             <a:endParaRPr lang="en-GB"/>
           </a:p>
@@ -3305,7 +4321,7 @@
           <a:p>
             <a:fld id="{6A40F7CE-1056-4AA7-918B-FDD9DDC9022B}" type="datetimeFigureOut">
               <a:rPr lang="en-GB" smtClean="0"/>
-              <a:t>20/05/2023</a:t>
+              <a:t>21/05/2023</a:t>
             </a:fld>
             <a:endParaRPr lang="en-GB"/>
           </a:p>
@@ -3573,7 +4589,7 @@
           <a:p>
             <a:fld id="{6A40F7CE-1056-4AA7-918B-FDD9DDC9022B}" type="datetimeFigureOut">
               <a:rPr lang="en-GB" smtClean="0"/>
-              <a:t>20/05/2023</a:t>
+              <a:t>21/05/2023</a:t>
             </a:fld>
             <a:endParaRPr lang="en-GB"/>
           </a:p>
@@ -3988,7 +5004,7 @@
           <a:p>
             <a:fld id="{6A40F7CE-1056-4AA7-918B-FDD9DDC9022B}" type="datetimeFigureOut">
               <a:rPr lang="en-GB" smtClean="0"/>
-              <a:t>20/05/2023</a:t>
+              <a:t>21/05/2023</a:t>
             </a:fld>
             <a:endParaRPr lang="en-GB"/>
           </a:p>
@@ -4130,7 +5146,7 @@
           <a:p>
             <a:fld id="{6A40F7CE-1056-4AA7-918B-FDD9DDC9022B}" type="datetimeFigureOut">
               <a:rPr lang="en-GB" smtClean="0"/>
-              <a:t>20/05/2023</a:t>
+              <a:t>21/05/2023</a:t>
             </a:fld>
             <a:endParaRPr lang="en-GB"/>
           </a:p>
@@ -4243,7 +5259,7 @@
           <a:p>
             <a:fld id="{6A40F7CE-1056-4AA7-918B-FDD9DDC9022B}" type="datetimeFigureOut">
               <a:rPr lang="en-GB" smtClean="0"/>
-              <a:t>20/05/2023</a:t>
+              <a:t>21/05/2023</a:t>
             </a:fld>
             <a:endParaRPr lang="en-GB"/>
           </a:p>
@@ -4556,7 +5572,7 @@
           <a:p>
             <a:fld id="{6A40F7CE-1056-4AA7-918B-FDD9DDC9022B}" type="datetimeFigureOut">
               <a:rPr lang="en-GB" smtClean="0"/>
-              <a:t>20/05/2023</a:t>
+              <a:t>21/05/2023</a:t>
             </a:fld>
             <a:endParaRPr lang="en-GB"/>
           </a:p>
@@ -4845,7 +5861,7 @@
           <a:p>
             <a:fld id="{6A40F7CE-1056-4AA7-918B-FDD9DDC9022B}" type="datetimeFigureOut">
               <a:rPr lang="en-GB" smtClean="0"/>
-              <a:t>20/05/2023</a:t>
+              <a:t>21/05/2023</a:t>
             </a:fld>
             <a:endParaRPr lang="en-GB"/>
           </a:p>
@@ -5088,7 +6104,7 @@
           <a:p>
             <a:fld id="{6A40F7CE-1056-4AA7-918B-FDD9DDC9022B}" type="datetimeFigureOut">
               <a:rPr lang="en-GB" smtClean="0"/>
-              <a:t>20/05/2023</a:t>
+              <a:t>21/05/2023</a:t>
             </a:fld>
             <a:endParaRPr lang="en-GB"/>
           </a:p>
@@ -6287,7 +7303,7 @@
           <p:nvPr/>
         </p:nvPicPr>
         <p:blipFill>
-          <a:blip r:embed="rId2"/>
+          <a:blip r:embed="rId3"/>
           <a:stretch>
             <a:fillRect/>
           </a:stretch>
@@ -6660,7 +7676,7 @@
           <p:nvPr/>
         </p:nvPicPr>
         <p:blipFill>
-          <a:blip r:embed="rId3"/>
+          <a:blip r:embed="rId4"/>
           <a:stretch>
             <a:fillRect/>
           </a:stretch>
@@ -6690,7 +7706,7 @@
           <p:nvPr/>
         </p:nvPicPr>
         <p:blipFill>
-          <a:blip r:embed="rId4"/>
+          <a:blip r:embed="rId5"/>
           <a:stretch>
             <a:fillRect/>
           </a:stretch>
@@ -7320,7 +8336,7 @@
           <p:nvPr/>
         </p:nvPicPr>
         <p:blipFill rotWithShape="1">
-          <a:blip r:embed="rId2"/>
+          <a:blip r:embed="rId3"/>
           <a:srcRect r="20419" b="3"/>
           <a:stretch/>
         </p:blipFill>
@@ -7420,7 +8436,7 @@
           <p:nvPr/>
         </p:nvPicPr>
         <p:blipFill>
-          <a:blip r:embed="rId3"/>
+          <a:blip r:embed="rId4"/>
           <a:stretch>
             <a:fillRect/>
           </a:stretch>
@@ -7450,7 +8466,7 @@
           <p:nvPr/>
         </p:nvPicPr>
         <p:blipFill>
-          <a:blip r:embed="rId4"/>
+          <a:blip r:embed="rId5"/>
           <a:stretch>
             <a:fillRect/>
           </a:stretch>
@@ -14375,7 +15391,7 @@
           <p:nvPr/>
         </p:nvPicPr>
         <p:blipFill>
-          <a:blip r:embed="rId2"/>
+          <a:blip r:embed="rId3"/>
           <a:stretch>
             <a:fillRect/>
           </a:stretch>
@@ -14573,7 +15589,7 @@
           <p:nvPr/>
         </p:nvPicPr>
         <p:blipFill>
-          <a:blip r:embed="rId2"/>
+          <a:blip r:embed="rId3"/>
           <a:stretch>
             <a:fillRect/>
           </a:stretch>
